--- a/figs/figures.pptx
+++ b/figs/figures.pptx
@@ -104,6 +104,11 @@
       </a:defRPr>
     </a:lvl9pPr>
   </p:defaultTextStyle>
+  <p:extLst>
+    <p:ext uri="{EFAFB233-063F-42B5-8137-9DF3F51BA10A}">
+      <p15:sldGuideLst xmlns:p15="http://schemas.microsoft.com/office/powerpoint/2012/main"/>
+    </p:ext>
+  </p:extLst>
 </p:presentation>
 </file>
 
@@ -254,7 +259,7 @@
           <a:p>
             <a:fld id="{877F05C3-11B0-4645-BB14-A91399167B13}" type="datetimeFigureOut">
               <a:rPr lang="en-US" smtClean="0"/>
-              <a:t>3/19/19</a:t>
+              <a:t>5/20/19</a:t>
             </a:fld>
             <a:endParaRPr lang="en-US"/>
           </a:p>
@@ -452,7 +457,7 @@
           <a:p>
             <a:fld id="{877F05C3-11B0-4645-BB14-A91399167B13}" type="datetimeFigureOut">
               <a:rPr lang="en-US" smtClean="0"/>
-              <a:t>3/19/19</a:t>
+              <a:t>5/20/19</a:t>
             </a:fld>
             <a:endParaRPr lang="en-US"/>
           </a:p>
@@ -660,7 +665,7 @@
           <a:p>
             <a:fld id="{877F05C3-11B0-4645-BB14-A91399167B13}" type="datetimeFigureOut">
               <a:rPr lang="en-US" smtClean="0"/>
-              <a:t>3/19/19</a:t>
+              <a:t>5/20/19</a:t>
             </a:fld>
             <a:endParaRPr lang="en-US"/>
           </a:p>
@@ -858,7 +863,7 @@
           <a:p>
             <a:fld id="{877F05C3-11B0-4645-BB14-A91399167B13}" type="datetimeFigureOut">
               <a:rPr lang="en-US" smtClean="0"/>
-              <a:t>3/19/19</a:t>
+              <a:t>5/20/19</a:t>
             </a:fld>
             <a:endParaRPr lang="en-US"/>
           </a:p>
@@ -1133,7 +1138,7 @@
           <a:p>
             <a:fld id="{877F05C3-11B0-4645-BB14-A91399167B13}" type="datetimeFigureOut">
               <a:rPr lang="en-US" smtClean="0"/>
-              <a:t>3/19/19</a:t>
+              <a:t>5/20/19</a:t>
             </a:fld>
             <a:endParaRPr lang="en-US"/>
           </a:p>
@@ -1398,7 +1403,7 @@
           <a:p>
             <a:fld id="{877F05C3-11B0-4645-BB14-A91399167B13}" type="datetimeFigureOut">
               <a:rPr lang="en-US" smtClean="0"/>
-              <a:t>3/19/19</a:t>
+              <a:t>5/20/19</a:t>
             </a:fld>
             <a:endParaRPr lang="en-US"/>
           </a:p>
@@ -1810,7 +1815,7 @@
           <a:p>
             <a:fld id="{877F05C3-11B0-4645-BB14-A91399167B13}" type="datetimeFigureOut">
               <a:rPr lang="en-US" smtClean="0"/>
-              <a:t>3/19/19</a:t>
+              <a:t>5/20/19</a:t>
             </a:fld>
             <a:endParaRPr lang="en-US"/>
           </a:p>
@@ -1951,7 +1956,7 @@
           <a:p>
             <a:fld id="{877F05C3-11B0-4645-BB14-A91399167B13}" type="datetimeFigureOut">
               <a:rPr lang="en-US" smtClean="0"/>
-              <a:t>3/19/19</a:t>
+              <a:t>5/20/19</a:t>
             </a:fld>
             <a:endParaRPr lang="en-US"/>
           </a:p>
@@ -2064,7 +2069,7 @@
           <a:p>
             <a:fld id="{877F05C3-11B0-4645-BB14-A91399167B13}" type="datetimeFigureOut">
               <a:rPr lang="en-US" smtClean="0"/>
-              <a:t>3/19/19</a:t>
+              <a:t>5/20/19</a:t>
             </a:fld>
             <a:endParaRPr lang="en-US"/>
           </a:p>
@@ -2375,7 +2380,7 @@
           <a:p>
             <a:fld id="{877F05C3-11B0-4645-BB14-A91399167B13}" type="datetimeFigureOut">
               <a:rPr lang="en-US" smtClean="0"/>
-              <a:t>3/19/19</a:t>
+              <a:t>5/20/19</a:t>
             </a:fld>
             <a:endParaRPr lang="en-US"/>
           </a:p>
@@ -2663,7 +2668,7 @@
           <a:p>
             <a:fld id="{877F05C3-11B0-4645-BB14-A91399167B13}" type="datetimeFigureOut">
               <a:rPr lang="en-US" smtClean="0"/>
-              <a:t>3/19/19</a:t>
+              <a:t>5/20/19</a:t>
             </a:fld>
             <a:endParaRPr lang="en-US"/>
           </a:p>
@@ -2904,7 +2909,7 @@
           <a:p>
             <a:fld id="{877F05C3-11B0-4645-BB14-A91399167B13}" type="datetimeFigureOut">
               <a:rPr lang="en-US" smtClean="0"/>
-              <a:t>3/19/19</a:t>
+              <a:t>5/20/19</a:t>
             </a:fld>
             <a:endParaRPr lang="en-US"/>
           </a:p>
@@ -3857,8 +3862,8 @@
           </a:fontRef>
         </p:style>
       </p:cxnSp>
-      <mc:AlternateContent xmlns:mc="http://schemas.openxmlformats.org/markup-compatibility/2006">
-        <mc:Choice xmlns:a14="http://schemas.microsoft.com/office/drawing/2010/main" Requires="a14">
+      <mc:AlternateContent xmlns:mc="http://schemas.openxmlformats.org/markup-compatibility/2006" xmlns:a14="http://schemas.microsoft.com/office/drawing/2010/main">
+        <mc:Choice Requires="a14">
           <p:sp>
             <p:nvSpPr>
               <p:cNvPr id="20" name="TextBox 19">
@@ -3887,6 +3892,7 @@
               </a:bodyPr>
               <a:lstStyle/>
               <a:p>
+                <a:pPr/>
                 <a14:m>
                   <m:oMathPara xmlns:m="http://schemas.openxmlformats.org/officeDocument/2006/math">
                     <m:oMathParaPr>
@@ -3939,7 +3945,7 @@
             </p:txBody>
           </p:sp>
         </mc:Choice>
-        <mc:Fallback>
+        <mc:Fallback xmlns="">
           <p:sp>
             <p:nvSpPr>
               <p:cNvPr id="20" name="TextBox 19">
@@ -3984,8 +3990,8 @@
           </p:sp>
         </mc:Fallback>
       </mc:AlternateContent>
-      <mc:AlternateContent xmlns:mc="http://schemas.openxmlformats.org/markup-compatibility/2006">
-        <mc:Choice xmlns:a14="http://schemas.microsoft.com/office/drawing/2010/main" Requires="a14">
+      <mc:AlternateContent xmlns:mc="http://schemas.openxmlformats.org/markup-compatibility/2006" xmlns:a14="http://schemas.microsoft.com/office/drawing/2010/main">
+        <mc:Choice Requires="a14">
           <p:sp>
             <p:nvSpPr>
               <p:cNvPr id="21" name="TextBox 20">
@@ -4014,6 +4020,7 @@
               </a:bodyPr>
               <a:lstStyle/>
               <a:p>
+                <a:pPr/>
                 <a14:m>
                   <m:oMathPara xmlns:m="http://schemas.openxmlformats.org/officeDocument/2006/math">
                     <m:oMathParaPr>
@@ -4066,7 +4073,7 @@
             </p:txBody>
           </p:sp>
         </mc:Choice>
-        <mc:Fallback>
+        <mc:Fallback xmlns="">
           <p:sp>
             <p:nvSpPr>
               <p:cNvPr id="21" name="TextBox 20">
@@ -4111,8 +4118,8 @@
           </p:sp>
         </mc:Fallback>
       </mc:AlternateContent>
-      <mc:AlternateContent xmlns:mc="http://schemas.openxmlformats.org/markup-compatibility/2006">
-        <mc:Choice xmlns:a14="http://schemas.microsoft.com/office/drawing/2010/main" Requires="a14">
+      <mc:AlternateContent xmlns:mc="http://schemas.openxmlformats.org/markup-compatibility/2006" xmlns:a14="http://schemas.microsoft.com/office/drawing/2010/main">
+        <mc:Choice Requires="a14">
           <p:sp>
             <p:nvSpPr>
               <p:cNvPr id="24" name="TextBox 23">
@@ -4141,6 +4148,7 @@
               </a:bodyPr>
               <a:lstStyle/>
               <a:p>
+                <a:pPr/>
                 <a14:m>
                   <m:oMathPara xmlns:m="http://schemas.openxmlformats.org/officeDocument/2006/math">
                     <m:oMathParaPr>
@@ -4180,7 +4188,7 @@
             </p:txBody>
           </p:sp>
         </mc:Choice>
-        <mc:Fallback>
+        <mc:Fallback xmlns="">
           <p:sp>
             <p:nvSpPr>
               <p:cNvPr id="24" name="TextBox 23">
@@ -4865,8 +4873,8 @@
           </p:txBody>
         </p:sp>
       </p:grpSp>
-      <mc:AlternateContent xmlns:mc="http://schemas.openxmlformats.org/markup-compatibility/2006">
-        <mc:Choice xmlns:a14="http://schemas.microsoft.com/office/drawing/2010/main" Requires="a14">
+      <mc:AlternateContent xmlns:mc="http://schemas.openxmlformats.org/markup-compatibility/2006" xmlns:a14="http://schemas.microsoft.com/office/drawing/2010/main">
+        <mc:Choice Requires="a14">
           <p:sp>
             <p:nvSpPr>
               <p:cNvPr id="85" name="TextBox 84">
@@ -4895,6 +4903,7 @@
               </a:bodyPr>
               <a:lstStyle/>
               <a:p>
+                <a:pPr/>
                 <a14:m>
                   <m:oMathPara xmlns:m="http://schemas.openxmlformats.org/officeDocument/2006/math">
                     <m:oMathParaPr>
@@ -4947,7 +4956,7 @@
             </p:txBody>
           </p:sp>
         </mc:Choice>
-        <mc:Fallback>
+        <mc:Fallback xmlns="">
           <p:sp>
             <p:nvSpPr>
               <p:cNvPr id="85" name="TextBox 84">
@@ -4992,8 +5001,8 @@
           </p:sp>
         </mc:Fallback>
       </mc:AlternateContent>
-      <mc:AlternateContent xmlns:mc="http://schemas.openxmlformats.org/markup-compatibility/2006">
-        <mc:Choice xmlns:a14="http://schemas.microsoft.com/office/drawing/2010/main" Requires="a14">
+      <mc:AlternateContent xmlns:mc="http://schemas.openxmlformats.org/markup-compatibility/2006" xmlns:a14="http://schemas.microsoft.com/office/drawing/2010/main">
+        <mc:Choice Requires="a14">
           <p:sp>
             <p:nvSpPr>
               <p:cNvPr id="87" name="TextBox 86">
@@ -5022,6 +5031,7 @@
               </a:bodyPr>
               <a:lstStyle/>
               <a:p>
+                <a:pPr/>
                 <a14:m>
                   <m:oMathPara xmlns:m="http://schemas.openxmlformats.org/officeDocument/2006/math">
                     <m:oMathParaPr>
@@ -5074,7 +5084,7 @@
             </p:txBody>
           </p:sp>
         </mc:Choice>
-        <mc:Fallback>
+        <mc:Fallback xmlns="">
           <p:sp>
             <p:nvSpPr>
               <p:cNvPr id="87" name="TextBox 86">
@@ -5119,8 +5129,8 @@
           </p:sp>
         </mc:Fallback>
       </mc:AlternateContent>
-      <mc:AlternateContent xmlns:mc="http://schemas.openxmlformats.org/markup-compatibility/2006">
-        <mc:Choice xmlns:a14="http://schemas.microsoft.com/office/drawing/2010/main" Requires="a14">
+      <mc:AlternateContent xmlns:mc="http://schemas.openxmlformats.org/markup-compatibility/2006" xmlns:a14="http://schemas.microsoft.com/office/drawing/2010/main">
+        <mc:Choice Requires="a14">
           <p:sp>
             <p:nvSpPr>
               <p:cNvPr id="91" name="TextBox 90">
@@ -5149,6 +5159,7 @@
               </a:bodyPr>
               <a:lstStyle/>
               <a:p>
+                <a:pPr/>
                 <a14:m>
                   <m:oMathPara xmlns:m="http://schemas.openxmlformats.org/officeDocument/2006/math">
                     <m:oMathParaPr>
@@ -5201,7 +5212,7 @@
             </p:txBody>
           </p:sp>
         </mc:Choice>
-        <mc:Fallback>
+        <mc:Fallback xmlns="">
           <p:sp>
             <p:nvSpPr>
               <p:cNvPr id="91" name="TextBox 90">
@@ -5246,8 +5257,8 @@
           </p:sp>
         </mc:Fallback>
       </mc:AlternateContent>
-      <mc:AlternateContent xmlns:mc="http://schemas.openxmlformats.org/markup-compatibility/2006">
-        <mc:Choice xmlns:a14="http://schemas.microsoft.com/office/drawing/2010/main" Requires="a14">
+      <mc:AlternateContent xmlns:mc="http://schemas.openxmlformats.org/markup-compatibility/2006" xmlns:a14="http://schemas.microsoft.com/office/drawing/2010/main">
+        <mc:Choice Requires="a14">
           <p:sp>
             <p:nvSpPr>
               <p:cNvPr id="96" name="TextBox 95">
@@ -5276,6 +5287,7 @@
               </a:bodyPr>
               <a:lstStyle/>
               <a:p>
+                <a:pPr/>
                 <a14:m>
                   <m:oMathPara xmlns:m="http://schemas.openxmlformats.org/officeDocument/2006/math">
                     <m:oMathParaPr>
@@ -5328,7 +5340,7 @@
             </p:txBody>
           </p:sp>
         </mc:Choice>
-        <mc:Fallback>
+        <mc:Fallback xmlns="">
           <p:sp>
             <p:nvSpPr>
               <p:cNvPr id="96" name="TextBox 95">
@@ -5373,8 +5385,8 @@
           </p:sp>
         </mc:Fallback>
       </mc:AlternateContent>
-      <mc:AlternateContent xmlns:mc="http://schemas.openxmlformats.org/markup-compatibility/2006">
-        <mc:Choice xmlns:a14="http://schemas.microsoft.com/office/drawing/2010/main" Requires="a14">
+      <mc:AlternateContent xmlns:mc="http://schemas.openxmlformats.org/markup-compatibility/2006" xmlns:a14="http://schemas.microsoft.com/office/drawing/2010/main">
+        <mc:Choice Requires="a14">
           <p:sp>
             <p:nvSpPr>
               <p:cNvPr id="100" name="TextBox 99">
@@ -5403,6 +5415,7 @@
               </a:bodyPr>
               <a:lstStyle/>
               <a:p>
+                <a:pPr/>
                 <a14:m>
                   <m:oMathPara xmlns:m="http://schemas.openxmlformats.org/officeDocument/2006/math">
                     <m:oMathParaPr>
@@ -5455,7 +5468,7 @@
             </p:txBody>
           </p:sp>
         </mc:Choice>
-        <mc:Fallback>
+        <mc:Fallback xmlns="">
           <p:sp>
             <p:nvSpPr>
               <p:cNvPr id="100" name="TextBox 99">
@@ -5675,7 +5688,7 @@
         </p:nvCxnSpPr>
         <p:spPr>
           <a:xfrm flipH="1">
-            <a:off x="8002109" y="1569171"/>
+            <a:off x="8660626" y="1569171"/>
             <a:ext cx="297296" cy="456100"/>
           </a:xfrm>
           <a:prstGeom prst="line">
@@ -5716,7 +5729,7 @@
         </p:nvSpPr>
         <p:spPr>
           <a:xfrm>
-            <a:off x="7929450" y="1973634"/>
+            <a:off x="8587967" y="1973634"/>
             <a:ext cx="124047" cy="124047"/>
           </a:xfrm>
           <a:prstGeom prst="ellipse">
@@ -5769,7 +5782,7 @@
         </p:nvCxnSpPr>
         <p:spPr>
           <a:xfrm>
-            <a:off x="8231599" y="1705734"/>
+            <a:off x="8890116" y="1705734"/>
             <a:ext cx="328476" cy="492786"/>
           </a:xfrm>
           <a:prstGeom prst="line">
@@ -5810,7 +5823,7 @@
         </p:nvSpPr>
         <p:spPr>
           <a:xfrm>
-            <a:off x="8476785" y="2126767"/>
+            <a:off x="9135302" y="2126767"/>
             <a:ext cx="124047" cy="124047"/>
           </a:xfrm>
           <a:prstGeom prst="ellipse">
@@ -5866,7 +5879,7 @@
             </p:nvSpPr>
             <p:spPr>
               <a:xfrm>
-                <a:off x="8091368" y="2098790"/>
+                <a:off x="8749885" y="2098790"/>
                 <a:ext cx="280461" cy="276999"/>
               </a:xfrm>
               <a:prstGeom prst="rect">
@@ -5880,6 +5893,7 @@
               </a:bodyPr>
               <a:lstStyle/>
               <a:p>
+                <a:pPr/>
                 <a14:m>
                   <m:oMathPara xmlns:m="http://schemas.openxmlformats.org/officeDocument/2006/math">
                     <m:oMathParaPr>
@@ -5949,7 +5963,7 @@
             </p:nvSpPr>
             <p:spPr>
               <a:xfrm>
-                <a:off x="8091368" y="2098790"/>
+                <a:off x="8749885" y="2098790"/>
                 <a:ext cx="280461" cy="276999"/>
               </a:xfrm>
               <a:prstGeom prst="rect">
@@ -5993,7 +6007,7 @@
         </p:nvCxnSpPr>
         <p:spPr>
           <a:xfrm flipH="1">
-            <a:off x="8002109" y="2571105"/>
+            <a:off x="8002109" y="2759467"/>
             <a:ext cx="297296" cy="456100"/>
           </a:xfrm>
           <a:prstGeom prst="line">
@@ -6034,7 +6048,7 @@
         </p:nvSpPr>
         <p:spPr>
           <a:xfrm>
-            <a:off x="7929450" y="2975568"/>
+            <a:off x="7929450" y="3163930"/>
             <a:ext cx="124047" cy="124047"/>
           </a:xfrm>
           <a:prstGeom prst="ellipse">
@@ -6087,7 +6101,7 @@
         </p:nvCxnSpPr>
         <p:spPr>
           <a:xfrm>
-            <a:off x="8231599" y="2707668"/>
+            <a:off x="8231599" y="2896030"/>
             <a:ext cx="328476" cy="492786"/>
           </a:xfrm>
           <a:prstGeom prst="line">
@@ -6128,7 +6142,7 @@
         </p:nvSpPr>
         <p:spPr>
           <a:xfrm>
-            <a:off x="8476785" y="3128701"/>
+            <a:off x="8476785" y="3317063"/>
             <a:ext cx="124047" cy="124047"/>
           </a:xfrm>
           <a:prstGeom prst="ellipse">
@@ -6184,7 +6198,7 @@
             </p:nvSpPr>
             <p:spPr>
               <a:xfrm>
-                <a:off x="8101264" y="3450551"/>
+                <a:off x="8759781" y="3515239"/>
                 <a:ext cx="264431" cy="276999"/>
               </a:xfrm>
               <a:prstGeom prst="rect">
@@ -6198,6 +6212,7 @@
               </a:bodyPr>
               <a:lstStyle/>
               <a:p>
+                <a:pPr/>
                 <a14:m>
                   <m:oMathPara xmlns:m="http://schemas.openxmlformats.org/officeDocument/2006/math">
                     <m:oMathParaPr>
@@ -6267,7 +6282,7 @@
             </p:nvSpPr>
             <p:spPr>
               <a:xfrm>
-                <a:off x="8101264" y="3450551"/>
+                <a:off x="8759781" y="3515239"/>
                 <a:ext cx="264431" cy="276999"/>
               </a:xfrm>
               <a:prstGeom prst="rect">
@@ -6276,7 +6291,7 @@
               <a:blipFill>
                 <a:blip r:embed="rId11"/>
                 <a:stretch>
-                  <a:fillRect l="-13636" r="-4545" b="-13043"/>
+                  <a:fillRect l="-18182" r="-4545" b="-13043"/>
                 </a:stretch>
               </a:blipFill>
             </p:spPr>
@@ -6311,7 +6326,7 @@
         </p:nvCxnSpPr>
         <p:spPr>
           <a:xfrm>
-            <a:off x="8101264" y="2868837"/>
+            <a:off x="8101264" y="3057199"/>
             <a:ext cx="294573" cy="544089"/>
           </a:xfrm>
           <a:prstGeom prst="line">
@@ -6352,7 +6367,7 @@
         </p:nvSpPr>
         <p:spPr>
           <a:xfrm>
-            <a:off x="8333813" y="3374139"/>
+            <a:off x="8333813" y="3562501"/>
             <a:ext cx="124047" cy="124047"/>
           </a:xfrm>
           <a:prstGeom prst="ellipse">
@@ -6406,7 +6421,7 @@
         </p:nvSpPr>
         <p:spPr>
           <a:xfrm rot="2122938">
-            <a:off x="7880950" y="1586465"/>
+            <a:off x="8539467" y="1586465"/>
             <a:ext cx="262971" cy="349996"/>
           </a:xfrm>
           <a:prstGeom prst="leftBrace">
@@ -6458,7 +6473,7 @@
         </p:nvSpPr>
         <p:spPr>
           <a:xfrm rot="2122938">
-            <a:off x="7874091" y="2580979"/>
+            <a:off x="7874091" y="2769341"/>
             <a:ext cx="262971" cy="349996"/>
           </a:xfrm>
           <a:prstGeom prst="leftBrace">
@@ -6511,7 +6526,7 @@
         </p:nvSpPr>
         <p:spPr>
           <a:xfrm rot="2122938">
-            <a:off x="7823032" y="2777780"/>
+            <a:off x="7823032" y="2966142"/>
             <a:ext cx="262971" cy="139494"/>
           </a:xfrm>
           <a:prstGeom prst="leftBrace">
@@ -6563,7 +6578,7 @@
         </p:nvSpPr>
         <p:spPr>
           <a:xfrm rot="8767024">
-            <a:off x="8364772" y="1593958"/>
+            <a:off x="9023289" y="1593958"/>
             <a:ext cx="262971" cy="508821"/>
           </a:xfrm>
           <a:prstGeom prst="leftBrace">
@@ -6615,7 +6630,7 @@
         </p:nvSpPr>
         <p:spPr>
           <a:xfrm rot="8767024">
-            <a:off x="8357538" y="2595615"/>
+            <a:off x="8357538" y="2783977"/>
             <a:ext cx="262971" cy="508821"/>
           </a:xfrm>
           <a:prstGeom prst="leftBrace">
@@ -6667,7 +6682,7 @@
         </p:nvSpPr>
         <p:spPr>
           <a:xfrm rot="19912354">
-            <a:off x="7998314" y="2947213"/>
+            <a:off x="7998314" y="3135575"/>
             <a:ext cx="262971" cy="508821"/>
           </a:xfrm>
           <a:prstGeom prst="leftBrace">
@@ -6799,7 +6814,7 @@
         </p:nvSpPr>
         <p:spPr>
           <a:xfrm>
-            <a:off x="7942315" y="3795396"/>
+            <a:off x="8600832" y="3795396"/>
             <a:ext cx="605904" cy="369332"/>
           </a:xfrm>
           <a:prstGeom prst="rect">
@@ -6896,6 +6911,593 @@
               <a:schemeClr val="tx1"/>
             </a:solidFill>
             <a:prstDash val="dash"/>
+          </a:ln>
+        </p:spPr>
+        <p:style>
+          <a:lnRef idx="1">
+            <a:schemeClr val="accent1"/>
+          </a:lnRef>
+          <a:fillRef idx="0">
+            <a:schemeClr val="accent1"/>
+          </a:fillRef>
+          <a:effectRef idx="0">
+            <a:schemeClr val="accent1"/>
+          </a:effectRef>
+          <a:fontRef idx="minor">
+            <a:schemeClr val="tx1"/>
+          </a:fontRef>
+        </p:style>
+      </p:cxnSp>
+      <p:cxnSp>
+        <p:nvCxnSpPr>
+          <p:cNvPr id="67" name="Straight Connector 66">
+            <a:extLst>
+              <a:ext uri="{FF2B5EF4-FFF2-40B4-BE49-F238E27FC236}">
+                <a16:creationId xmlns:a16="http://schemas.microsoft.com/office/drawing/2014/main" id="{A7939B48-7E25-644A-AA64-55A37D26AF3D}"/>
+              </a:ext>
+            </a:extLst>
+          </p:cNvPr>
+          <p:cNvCxnSpPr>
+            <a:cxnSpLocks/>
+          </p:cNvCxnSpPr>
+          <p:nvPr/>
+        </p:nvCxnSpPr>
+        <p:spPr>
+          <a:xfrm flipH="1">
+            <a:off x="9218933" y="2762296"/>
+            <a:ext cx="297296" cy="456100"/>
+          </a:xfrm>
+          <a:prstGeom prst="line">
+            <a:avLst/>
+          </a:prstGeom>
+          <a:ln w="38100">
+            <a:solidFill>
+              <a:srgbClr val="FF0000"/>
+            </a:solidFill>
+          </a:ln>
+        </p:spPr>
+        <p:style>
+          <a:lnRef idx="1">
+            <a:schemeClr val="accent1"/>
+          </a:lnRef>
+          <a:fillRef idx="0">
+            <a:schemeClr val="accent1"/>
+          </a:fillRef>
+          <a:effectRef idx="0">
+            <a:schemeClr val="accent1"/>
+          </a:effectRef>
+          <a:fontRef idx="minor">
+            <a:schemeClr val="tx1"/>
+          </a:fontRef>
+        </p:style>
+      </p:cxnSp>
+      <p:sp>
+        <p:nvSpPr>
+          <p:cNvPr id="68" name="Oval 67">
+            <a:extLst>
+              <a:ext uri="{FF2B5EF4-FFF2-40B4-BE49-F238E27FC236}">
+                <a16:creationId xmlns:a16="http://schemas.microsoft.com/office/drawing/2014/main" id="{66D1561D-56A3-3E4E-8912-3DBC931FCA9F}"/>
+              </a:ext>
+            </a:extLst>
+          </p:cNvPr>
+          <p:cNvSpPr/>
+          <p:nvPr/>
+        </p:nvSpPr>
+        <p:spPr>
+          <a:xfrm>
+            <a:off x="9146274" y="3166759"/>
+            <a:ext cx="124047" cy="124047"/>
+          </a:xfrm>
+          <a:prstGeom prst="ellipse">
+            <a:avLst/>
+          </a:prstGeom>
+          <a:ln>
+            <a:solidFill>
+              <a:srgbClr val="FF0000"/>
+            </a:solidFill>
+          </a:ln>
+        </p:spPr>
+        <p:style>
+          <a:lnRef idx="2">
+            <a:schemeClr val="accent1">
+              <a:shade val="50000"/>
+            </a:schemeClr>
+          </a:lnRef>
+          <a:fillRef idx="1">
+            <a:schemeClr val="accent1"/>
+          </a:fillRef>
+          <a:effectRef idx="0">
+            <a:schemeClr val="accent1"/>
+          </a:effectRef>
+          <a:fontRef idx="minor">
+            <a:schemeClr val="lt1"/>
+          </a:fontRef>
+        </p:style>
+        <p:txBody>
+          <a:bodyPr rtlCol="0" anchor="ctr"/>
+          <a:lstStyle/>
+          <a:p>
+            <a:pPr algn="ctr"/>
+            <a:endParaRPr lang="en-US" sz="3200" dirty="0"/>
+          </a:p>
+        </p:txBody>
+      </p:sp>
+      <p:cxnSp>
+        <p:nvCxnSpPr>
+          <p:cNvPr id="69" name="Straight Connector 68">
+            <a:extLst>
+              <a:ext uri="{FF2B5EF4-FFF2-40B4-BE49-F238E27FC236}">
+                <a16:creationId xmlns:a16="http://schemas.microsoft.com/office/drawing/2014/main" id="{655FAB96-978B-1D41-AB5C-41A23E4A39CF}"/>
+              </a:ext>
+            </a:extLst>
+          </p:cNvPr>
+          <p:cNvCxnSpPr>
+            <a:cxnSpLocks/>
+          </p:cNvCxnSpPr>
+          <p:nvPr/>
+        </p:nvCxnSpPr>
+        <p:spPr>
+          <a:xfrm>
+            <a:off x="9444367" y="3056896"/>
+            <a:ext cx="341368" cy="346042"/>
+          </a:xfrm>
+          <a:prstGeom prst="line">
+            <a:avLst/>
+          </a:prstGeom>
+          <a:ln w="38100">
+            <a:solidFill>
+              <a:srgbClr val="FF0000"/>
+            </a:solidFill>
+          </a:ln>
+        </p:spPr>
+        <p:style>
+          <a:lnRef idx="1">
+            <a:schemeClr val="accent1"/>
+          </a:lnRef>
+          <a:fillRef idx="0">
+            <a:schemeClr val="accent1"/>
+          </a:fillRef>
+          <a:effectRef idx="0">
+            <a:schemeClr val="accent1"/>
+          </a:effectRef>
+          <a:fontRef idx="minor">
+            <a:schemeClr val="tx1"/>
+          </a:fontRef>
+        </p:style>
+      </p:cxnSp>
+      <p:sp>
+        <p:nvSpPr>
+          <p:cNvPr id="70" name="Oval 69">
+            <a:extLst>
+              <a:ext uri="{FF2B5EF4-FFF2-40B4-BE49-F238E27FC236}">
+                <a16:creationId xmlns:a16="http://schemas.microsoft.com/office/drawing/2014/main" id="{BDD3ADDA-EB2F-6B4D-8565-73338B836825}"/>
+              </a:ext>
+            </a:extLst>
+          </p:cNvPr>
+          <p:cNvSpPr/>
+          <p:nvPr/>
+        </p:nvSpPr>
+        <p:spPr>
+          <a:xfrm>
+            <a:off x="9702445" y="3331185"/>
+            <a:ext cx="124047" cy="124047"/>
+          </a:xfrm>
+          <a:prstGeom prst="ellipse">
+            <a:avLst/>
+          </a:prstGeom>
+          <a:solidFill>
+            <a:schemeClr val="accent2"/>
+          </a:solidFill>
+          <a:ln>
+            <a:solidFill>
+              <a:srgbClr val="FF0000"/>
+            </a:solidFill>
+          </a:ln>
+        </p:spPr>
+        <p:style>
+          <a:lnRef idx="2">
+            <a:schemeClr val="accent1">
+              <a:shade val="50000"/>
+            </a:schemeClr>
+          </a:lnRef>
+          <a:fillRef idx="1">
+            <a:schemeClr val="accent1"/>
+          </a:fillRef>
+          <a:effectRef idx="0">
+            <a:schemeClr val="accent1"/>
+          </a:effectRef>
+          <a:fontRef idx="minor">
+            <a:schemeClr val="lt1"/>
+          </a:fontRef>
+        </p:style>
+        <p:txBody>
+          <a:bodyPr rtlCol="0" anchor="ctr"/>
+          <a:lstStyle/>
+          <a:p>
+            <a:pPr algn="ctr"/>
+            <a:endParaRPr lang="en-US" sz="3200" dirty="0"/>
+          </a:p>
+        </p:txBody>
+      </p:sp>
+      <p:cxnSp>
+        <p:nvCxnSpPr>
+          <p:cNvPr id="73" name="Straight Connector 72">
+            <a:extLst>
+              <a:ext uri="{FF2B5EF4-FFF2-40B4-BE49-F238E27FC236}">
+                <a16:creationId xmlns:a16="http://schemas.microsoft.com/office/drawing/2014/main" id="{CAF65BCF-A19D-F54E-BDFD-C9574946E47D}"/>
+              </a:ext>
+            </a:extLst>
+          </p:cNvPr>
+          <p:cNvCxnSpPr>
+            <a:cxnSpLocks/>
+          </p:cNvCxnSpPr>
+          <p:nvPr/>
+        </p:nvCxnSpPr>
+        <p:spPr>
+          <a:xfrm flipH="1">
+            <a:off x="9392979" y="2834924"/>
+            <a:ext cx="71939" cy="789600"/>
+          </a:xfrm>
+          <a:prstGeom prst="line">
+            <a:avLst/>
+          </a:prstGeom>
+          <a:ln w="38100">
+            <a:solidFill>
+              <a:srgbClr val="FF0000"/>
+            </a:solidFill>
+          </a:ln>
+        </p:spPr>
+        <p:style>
+          <a:lnRef idx="1">
+            <a:schemeClr val="accent1"/>
+          </a:lnRef>
+          <a:fillRef idx="0">
+            <a:schemeClr val="accent1"/>
+          </a:fillRef>
+          <a:effectRef idx="0">
+            <a:schemeClr val="accent1"/>
+          </a:effectRef>
+          <a:fontRef idx="minor">
+            <a:schemeClr val="tx1"/>
+          </a:fontRef>
+        </p:style>
+      </p:cxnSp>
+      <p:sp>
+        <p:nvSpPr>
+          <p:cNvPr id="74" name="Oval 73">
+            <a:extLst>
+              <a:ext uri="{FF2B5EF4-FFF2-40B4-BE49-F238E27FC236}">
+                <a16:creationId xmlns:a16="http://schemas.microsoft.com/office/drawing/2014/main" id="{4110D817-83C7-4042-9E8D-BD2A4FAF82BE}"/>
+              </a:ext>
+            </a:extLst>
+          </p:cNvPr>
+          <p:cNvSpPr/>
+          <p:nvPr/>
+        </p:nvSpPr>
+        <p:spPr>
+          <a:xfrm>
+            <a:off x="9312217" y="3565330"/>
+            <a:ext cx="124047" cy="124047"/>
+          </a:xfrm>
+          <a:prstGeom prst="ellipse">
+            <a:avLst/>
+          </a:prstGeom>
+          <a:solidFill>
+            <a:schemeClr val="accent6"/>
+          </a:solidFill>
+          <a:ln>
+            <a:solidFill>
+              <a:srgbClr val="FF0000"/>
+            </a:solidFill>
+          </a:ln>
+        </p:spPr>
+        <p:style>
+          <a:lnRef idx="2">
+            <a:schemeClr val="accent1">
+              <a:shade val="50000"/>
+            </a:schemeClr>
+          </a:lnRef>
+          <a:fillRef idx="1">
+            <a:schemeClr val="accent1"/>
+          </a:fillRef>
+          <a:effectRef idx="0">
+            <a:schemeClr val="accent1"/>
+          </a:effectRef>
+          <a:fontRef idx="minor">
+            <a:schemeClr val="lt1"/>
+          </a:fontRef>
+        </p:style>
+        <p:txBody>
+          <a:bodyPr rtlCol="0" anchor="ctr"/>
+          <a:lstStyle/>
+          <a:p>
+            <a:pPr algn="ctr"/>
+            <a:endParaRPr lang="en-US" sz="3200" dirty="0"/>
+          </a:p>
+        </p:txBody>
+      </p:sp>
+      <p:sp>
+        <p:nvSpPr>
+          <p:cNvPr id="77" name="Left Brace 76">
+            <a:extLst>
+              <a:ext uri="{FF2B5EF4-FFF2-40B4-BE49-F238E27FC236}">
+                <a16:creationId xmlns:a16="http://schemas.microsoft.com/office/drawing/2014/main" id="{CCE6B03A-3915-7748-9A2C-C39AD43BD7B3}"/>
+              </a:ext>
+            </a:extLst>
+          </p:cNvPr>
+          <p:cNvSpPr/>
+          <p:nvPr/>
+        </p:nvSpPr>
+        <p:spPr>
+          <a:xfrm rot="2122938">
+            <a:off x="9144971" y="2806745"/>
+            <a:ext cx="202652" cy="312600"/>
+          </a:xfrm>
+          <a:prstGeom prst="leftBrace">
+            <a:avLst>
+              <a:gd name="adj1" fmla="val 39965"/>
+              <a:gd name="adj2" fmla="val 50000"/>
+            </a:avLst>
+          </a:prstGeom>
+          <a:ln w="19050">
+            <a:solidFill>
+              <a:srgbClr val="0070C0"/>
+            </a:solidFill>
+          </a:ln>
+        </p:spPr>
+        <p:style>
+          <a:lnRef idx="1">
+            <a:schemeClr val="accent1"/>
+          </a:lnRef>
+          <a:fillRef idx="0">
+            <a:schemeClr val="accent1"/>
+          </a:fillRef>
+          <a:effectRef idx="0">
+            <a:schemeClr val="accent1"/>
+          </a:effectRef>
+          <a:fontRef idx="minor">
+            <a:schemeClr val="tx1"/>
+          </a:fontRef>
+        </p:style>
+        <p:txBody>
+          <a:bodyPr rtlCol="0" anchor="ctr"/>
+          <a:lstStyle/>
+          <a:p>
+            <a:pPr algn="ctr"/>
+            <a:endParaRPr lang="en-US"/>
+          </a:p>
+        </p:txBody>
+      </p:sp>
+      <p:sp>
+        <p:nvSpPr>
+          <p:cNvPr id="79" name="Left Brace 78">
+            <a:extLst>
+              <a:ext uri="{FF2B5EF4-FFF2-40B4-BE49-F238E27FC236}">
+                <a16:creationId xmlns:a16="http://schemas.microsoft.com/office/drawing/2014/main" id="{2D25DA0B-B174-394D-91A1-DF2D0FABF52B}"/>
+              </a:ext>
+            </a:extLst>
+          </p:cNvPr>
+          <p:cNvSpPr/>
+          <p:nvPr/>
+        </p:nvSpPr>
+        <p:spPr>
+          <a:xfrm rot="422974">
+            <a:off x="9249581" y="3128706"/>
+            <a:ext cx="169799" cy="417648"/>
+          </a:xfrm>
+          <a:prstGeom prst="leftBrace">
+            <a:avLst>
+              <a:gd name="adj1" fmla="val 48372"/>
+              <a:gd name="adj2" fmla="val 50000"/>
+            </a:avLst>
+          </a:prstGeom>
+          <a:ln w="19050">
+            <a:solidFill>
+              <a:schemeClr val="accent6"/>
+            </a:solidFill>
+          </a:ln>
+        </p:spPr>
+        <p:style>
+          <a:lnRef idx="1">
+            <a:schemeClr val="accent1"/>
+          </a:lnRef>
+          <a:fillRef idx="0">
+            <a:schemeClr val="accent1"/>
+          </a:fillRef>
+          <a:effectRef idx="0">
+            <a:schemeClr val="accent1"/>
+          </a:effectRef>
+          <a:fontRef idx="minor">
+            <a:schemeClr val="tx1"/>
+          </a:fontRef>
+        </p:style>
+        <p:txBody>
+          <a:bodyPr rtlCol="0" anchor="ctr"/>
+          <a:lstStyle/>
+          <a:p>
+            <a:pPr algn="ctr"/>
+            <a:endParaRPr lang="en-US"/>
+          </a:p>
+        </p:txBody>
+      </p:sp>
+      <p:sp>
+        <p:nvSpPr>
+          <p:cNvPr id="80" name="Left Brace 79">
+            <a:extLst>
+              <a:ext uri="{FF2B5EF4-FFF2-40B4-BE49-F238E27FC236}">
+                <a16:creationId xmlns:a16="http://schemas.microsoft.com/office/drawing/2014/main" id="{85EF35E5-57DF-324D-8E25-E2870D38F263}"/>
+              </a:ext>
+            </a:extLst>
+          </p:cNvPr>
+          <p:cNvSpPr/>
+          <p:nvPr/>
+        </p:nvSpPr>
+        <p:spPr>
+          <a:xfrm rot="8767024">
+            <a:off x="9609378" y="2798610"/>
+            <a:ext cx="262971" cy="508821"/>
+          </a:xfrm>
+          <a:prstGeom prst="leftBrace">
+            <a:avLst>
+              <a:gd name="adj1" fmla="val 48372"/>
+              <a:gd name="adj2" fmla="val 50000"/>
+            </a:avLst>
+          </a:prstGeom>
+          <a:ln w="12700">
+            <a:solidFill>
+              <a:schemeClr val="accent2"/>
+            </a:solidFill>
+            <a:prstDash val="sysDash"/>
+          </a:ln>
+        </p:spPr>
+        <p:style>
+          <a:lnRef idx="1">
+            <a:schemeClr val="accent1"/>
+          </a:lnRef>
+          <a:fillRef idx="0">
+            <a:schemeClr val="accent1"/>
+          </a:fillRef>
+          <a:effectRef idx="0">
+            <a:schemeClr val="accent1"/>
+          </a:effectRef>
+          <a:fontRef idx="minor">
+            <a:schemeClr val="tx1"/>
+          </a:fontRef>
+        </p:style>
+        <p:txBody>
+          <a:bodyPr rtlCol="0" anchor="ctr"/>
+          <a:lstStyle/>
+          <a:p>
+            <a:pPr algn="ctr"/>
+            <a:endParaRPr lang="en-US"/>
+          </a:p>
+        </p:txBody>
+      </p:sp>
+      <p:sp>
+        <p:nvSpPr>
+          <p:cNvPr id="82" name="Left Brace 81">
+            <a:extLst>
+              <a:ext uri="{FF2B5EF4-FFF2-40B4-BE49-F238E27FC236}">
+                <a16:creationId xmlns:a16="http://schemas.microsoft.com/office/drawing/2014/main" id="{E86030DE-E543-134D-98BD-C30002D4E617}"/>
+              </a:ext>
+            </a:extLst>
+          </p:cNvPr>
+          <p:cNvSpPr/>
+          <p:nvPr/>
+        </p:nvSpPr>
+        <p:spPr>
+          <a:xfrm rot="8294624">
+            <a:off x="9582943" y="2985779"/>
+            <a:ext cx="186577" cy="377287"/>
+          </a:xfrm>
+          <a:prstGeom prst="leftBrace">
+            <a:avLst>
+              <a:gd name="adj1" fmla="val 48372"/>
+              <a:gd name="adj2" fmla="val 50000"/>
+            </a:avLst>
+          </a:prstGeom>
+          <a:ln w="19050">
+            <a:solidFill>
+              <a:schemeClr val="accent2"/>
+            </a:solidFill>
+          </a:ln>
+        </p:spPr>
+        <p:style>
+          <a:lnRef idx="1">
+            <a:schemeClr val="accent1"/>
+          </a:lnRef>
+          <a:fillRef idx="0">
+            <a:schemeClr val="accent1"/>
+          </a:fillRef>
+          <a:effectRef idx="0">
+            <a:schemeClr val="accent1"/>
+          </a:effectRef>
+          <a:fontRef idx="minor">
+            <a:schemeClr val="tx1"/>
+          </a:fontRef>
+        </p:style>
+        <p:txBody>
+          <a:bodyPr rtlCol="0" anchor="ctr"/>
+          <a:lstStyle/>
+          <a:p>
+            <a:pPr algn="ctr"/>
+            <a:endParaRPr lang="en-US"/>
+          </a:p>
+        </p:txBody>
+      </p:sp>
+      <p:cxnSp>
+        <p:nvCxnSpPr>
+          <p:cNvPr id="11" name="Straight Arrow Connector 10">
+            <a:extLst>
+              <a:ext uri="{FF2B5EF4-FFF2-40B4-BE49-F238E27FC236}">
+                <a16:creationId xmlns:a16="http://schemas.microsoft.com/office/drawing/2014/main" id="{FE47CB4B-6FFD-2947-B72B-CE9061C10F27}"/>
+              </a:ext>
+            </a:extLst>
+          </p:cNvPr>
+          <p:cNvCxnSpPr>
+            <a:cxnSpLocks/>
+          </p:cNvCxnSpPr>
+          <p:nvPr/>
+        </p:nvCxnSpPr>
+        <p:spPr>
+          <a:xfrm flipH="1">
+            <a:off x="8434914" y="2372524"/>
+            <a:ext cx="224763" cy="418470"/>
+          </a:xfrm>
+          <a:prstGeom prst="straightConnector1">
+            <a:avLst/>
+          </a:prstGeom>
+          <a:ln>
+            <a:solidFill>
+              <a:schemeClr val="tx1"/>
+            </a:solidFill>
+            <a:prstDash val="dash"/>
+            <a:tailEnd type="triangle"/>
+          </a:ln>
+        </p:spPr>
+        <p:style>
+          <a:lnRef idx="1">
+            <a:schemeClr val="accent1"/>
+          </a:lnRef>
+          <a:fillRef idx="0">
+            <a:schemeClr val="accent1"/>
+          </a:fillRef>
+          <a:effectRef idx="0">
+            <a:schemeClr val="accent1"/>
+          </a:effectRef>
+          <a:fontRef idx="minor">
+            <a:schemeClr val="tx1"/>
+          </a:fontRef>
+        </p:style>
+      </p:cxnSp>
+      <p:cxnSp>
+        <p:nvCxnSpPr>
+          <p:cNvPr id="90" name="Straight Arrow Connector 89">
+            <a:extLst>
+              <a:ext uri="{FF2B5EF4-FFF2-40B4-BE49-F238E27FC236}">
+                <a16:creationId xmlns:a16="http://schemas.microsoft.com/office/drawing/2014/main" id="{5EA63219-A8FF-1D40-8A3D-40AB662B96C9}"/>
+              </a:ext>
+            </a:extLst>
+          </p:cNvPr>
+          <p:cNvCxnSpPr>
+            <a:cxnSpLocks/>
+          </p:cNvCxnSpPr>
+          <p:nvPr/>
+        </p:nvCxnSpPr>
+        <p:spPr>
+          <a:xfrm>
+            <a:off x="9129640" y="2377310"/>
+            <a:ext cx="224763" cy="418470"/>
+          </a:xfrm>
+          <a:prstGeom prst="straightConnector1">
+            <a:avLst/>
+          </a:prstGeom>
+          <a:ln>
+            <a:solidFill>
+              <a:schemeClr val="tx1"/>
+            </a:solidFill>
+            <a:prstDash val="dash"/>
+            <a:tailEnd type="triangle"/>
           </a:ln>
         </p:spPr>
         <p:style>

--- a/figs/figures.pptx
+++ b/figs/figures.pptx
@@ -4,6 +4,9 @@
   <p:sldMasterIdLst>
     <p:sldMasterId id="2147483648" r:id="rId1"/>
   </p:sldMasterIdLst>
+  <p:notesMasterIdLst>
+    <p:notesMasterId r:id="rId3"/>
+  </p:notesMasterIdLst>
   <p:sldIdLst>
     <p:sldId id="256" r:id="rId2"/>
   </p:sldIdLst>
@@ -112,6 +115,439 @@
 </p:presentation>
 </file>
 
+<file path=ppt/notesMasters/notesMaster1.xml><?xml version="1.0" encoding="utf-8"?>
+<p:notesMaster xmlns:a="http://schemas.openxmlformats.org/drawingml/2006/main" xmlns:r="http://schemas.openxmlformats.org/officeDocument/2006/relationships" xmlns:p="http://schemas.openxmlformats.org/presentationml/2006/main">
+  <p:cSld>
+    <p:bg>
+      <p:bgRef idx="1001">
+        <a:schemeClr val="bg1"/>
+      </p:bgRef>
+    </p:bg>
+    <p:spTree>
+      <p:nvGrpSpPr>
+        <p:cNvPr id="1" name=""/>
+        <p:cNvGrpSpPr/>
+        <p:nvPr/>
+      </p:nvGrpSpPr>
+      <p:grpSpPr>
+        <a:xfrm>
+          <a:off x="0" y="0"/>
+          <a:ext cx="0" cy="0"/>
+          <a:chOff x="0" y="0"/>
+          <a:chExt cx="0" cy="0"/>
+        </a:xfrm>
+      </p:grpSpPr>
+      <p:sp>
+        <p:nvSpPr>
+          <p:cNvPr id="2" name="Header Placeholder 1"/>
+          <p:cNvSpPr>
+            <a:spLocks noGrp="1"/>
+          </p:cNvSpPr>
+          <p:nvPr>
+            <p:ph type="hdr" sz="quarter"/>
+          </p:nvPr>
+        </p:nvSpPr>
+        <p:spPr>
+          <a:xfrm>
+            <a:off x="0" y="0"/>
+            <a:ext cx="2971800" cy="458788"/>
+          </a:xfrm>
+          <a:prstGeom prst="rect">
+            <a:avLst/>
+          </a:prstGeom>
+        </p:spPr>
+        <p:txBody>
+          <a:bodyPr vert="horz" lIns="91440" tIns="45720" rIns="91440" bIns="45720" rtlCol="0"/>
+          <a:lstStyle>
+            <a:lvl1pPr algn="l">
+              <a:defRPr sz="1200"/>
+            </a:lvl1pPr>
+          </a:lstStyle>
+          <a:p>
+            <a:endParaRPr lang="en-US"/>
+          </a:p>
+        </p:txBody>
+      </p:sp>
+      <p:sp>
+        <p:nvSpPr>
+          <p:cNvPr id="3" name="Date Placeholder 2"/>
+          <p:cNvSpPr>
+            <a:spLocks noGrp="1"/>
+          </p:cNvSpPr>
+          <p:nvPr>
+            <p:ph type="dt" idx="1"/>
+          </p:nvPr>
+        </p:nvSpPr>
+        <p:spPr>
+          <a:xfrm>
+            <a:off x="3884613" y="0"/>
+            <a:ext cx="2971800" cy="458788"/>
+          </a:xfrm>
+          <a:prstGeom prst="rect">
+            <a:avLst/>
+          </a:prstGeom>
+        </p:spPr>
+        <p:txBody>
+          <a:bodyPr vert="horz" lIns="91440" tIns="45720" rIns="91440" bIns="45720" rtlCol="0"/>
+          <a:lstStyle>
+            <a:lvl1pPr algn="r">
+              <a:defRPr sz="1200"/>
+            </a:lvl1pPr>
+          </a:lstStyle>
+          <a:p>
+            <a:fld id="{26ECA00B-11C2-6647-81CF-EA9876D97C23}" type="datetimeFigureOut">
+              <a:rPr lang="en-US" smtClean="0"/>
+              <a:t>5/21/19</a:t>
+            </a:fld>
+            <a:endParaRPr lang="en-US"/>
+          </a:p>
+        </p:txBody>
+      </p:sp>
+      <p:sp>
+        <p:nvSpPr>
+          <p:cNvPr id="4" name="Slide Image Placeholder 3"/>
+          <p:cNvSpPr>
+            <a:spLocks noGrp="1" noRot="1" noChangeAspect="1"/>
+          </p:cNvSpPr>
+          <p:nvPr>
+            <p:ph type="sldImg" idx="2"/>
+          </p:nvPr>
+        </p:nvSpPr>
+        <p:spPr>
+          <a:xfrm>
+            <a:off x="685800" y="1143000"/>
+            <a:ext cx="5486400" cy="3086100"/>
+          </a:xfrm>
+          <a:prstGeom prst="rect">
+            <a:avLst/>
+          </a:prstGeom>
+          <a:noFill/>
+          <a:ln w="12700">
+            <a:solidFill>
+              <a:prstClr val="black"/>
+            </a:solidFill>
+          </a:ln>
+        </p:spPr>
+        <p:txBody>
+          <a:bodyPr vert="horz" lIns="91440" tIns="45720" rIns="91440" bIns="45720" rtlCol="0" anchor="ctr"/>
+          <a:lstStyle/>
+          <a:p>
+            <a:endParaRPr lang="en-US"/>
+          </a:p>
+        </p:txBody>
+      </p:sp>
+      <p:sp>
+        <p:nvSpPr>
+          <p:cNvPr id="5" name="Notes Placeholder 4"/>
+          <p:cNvSpPr>
+            <a:spLocks noGrp="1"/>
+          </p:cNvSpPr>
+          <p:nvPr>
+            <p:ph type="body" sz="quarter" idx="3"/>
+          </p:nvPr>
+        </p:nvSpPr>
+        <p:spPr>
+          <a:xfrm>
+            <a:off x="685800" y="4400550"/>
+            <a:ext cx="5486400" cy="3600450"/>
+          </a:xfrm>
+          <a:prstGeom prst="rect">
+            <a:avLst/>
+          </a:prstGeom>
+        </p:spPr>
+        <p:txBody>
+          <a:bodyPr vert="horz" lIns="91440" tIns="45720" rIns="91440" bIns="45720" rtlCol="0"/>
+          <a:lstStyle/>
+          <a:p>
+            <a:pPr lvl="0"/>
+            <a:r>
+              <a:rPr lang="en-US"/>
+              <a:t>Click to edit Master text styles</a:t>
+            </a:r>
+          </a:p>
+          <a:p>
+            <a:pPr lvl="1"/>
+            <a:r>
+              <a:rPr lang="en-US"/>
+              <a:t>Second level</a:t>
+            </a:r>
+          </a:p>
+          <a:p>
+            <a:pPr lvl="2"/>
+            <a:r>
+              <a:rPr lang="en-US"/>
+              <a:t>Third level</a:t>
+            </a:r>
+          </a:p>
+          <a:p>
+            <a:pPr lvl="3"/>
+            <a:r>
+              <a:rPr lang="en-US"/>
+              <a:t>Fourth level</a:t>
+            </a:r>
+          </a:p>
+          <a:p>
+            <a:pPr lvl="4"/>
+            <a:r>
+              <a:rPr lang="en-US"/>
+              <a:t>Fifth level</a:t>
+            </a:r>
+          </a:p>
+        </p:txBody>
+      </p:sp>
+      <p:sp>
+        <p:nvSpPr>
+          <p:cNvPr id="6" name="Footer Placeholder 5"/>
+          <p:cNvSpPr>
+            <a:spLocks noGrp="1"/>
+          </p:cNvSpPr>
+          <p:nvPr>
+            <p:ph type="ftr" sz="quarter" idx="4"/>
+          </p:nvPr>
+        </p:nvSpPr>
+        <p:spPr>
+          <a:xfrm>
+            <a:off x="0" y="8685213"/>
+            <a:ext cx="2971800" cy="458787"/>
+          </a:xfrm>
+          <a:prstGeom prst="rect">
+            <a:avLst/>
+          </a:prstGeom>
+        </p:spPr>
+        <p:txBody>
+          <a:bodyPr vert="horz" lIns="91440" tIns="45720" rIns="91440" bIns="45720" rtlCol="0" anchor="b"/>
+          <a:lstStyle>
+            <a:lvl1pPr algn="l">
+              <a:defRPr sz="1200"/>
+            </a:lvl1pPr>
+          </a:lstStyle>
+          <a:p>
+            <a:endParaRPr lang="en-US"/>
+          </a:p>
+        </p:txBody>
+      </p:sp>
+      <p:sp>
+        <p:nvSpPr>
+          <p:cNvPr id="7" name="Slide Number Placeholder 6"/>
+          <p:cNvSpPr>
+            <a:spLocks noGrp="1"/>
+          </p:cNvSpPr>
+          <p:nvPr>
+            <p:ph type="sldNum" sz="quarter" idx="5"/>
+          </p:nvPr>
+        </p:nvSpPr>
+        <p:spPr>
+          <a:xfrm>
+            <a:off x="3884613" y="8685213"/>
+            <a:ext cx="2971800" cy="458787"/>
+          </a:xfrm>
+          <a:prstGeom prst="rect">
+            <a:avLst/>
+          </a:prstGeom>
+        </p:spPr>
+        <p:txBody>
+          <a:bodyPr vert="horz" lIns="91440" tIns="45720" rIns="91440" bIns="45720" rtlCol="0" anchor="b"/>
+          <a:lstStyle>
+            <a:lvl1pPr algn="r">
+              <a:defRPr sz="1200"/>
+            </a:lvl1pPr>
+          </a:lstStyle>
+          <a:p>
+            <a:fld id="{9895F4D5-00EE-9640-949F-FD81D84F8ABC}" type="slidenum">
+              <a:rPr lang="en-US" smtClean="0"/>
+              <a:t>‹#›</a:t>
+            </a:fld>
+            <a:endParaRPr lang="en-US"/>
+          </a:p>
+        </p:txBody>
+      </p:sp>
+    </p:spTree>
+    <p:extLst>
+      <p:ext uri="{BB962C8B-B14F-4D97-AF65-F5344CB8AC3E}">
+        <p14:creationId xmlns:p14="http://schemas.microsoft.com/office/powerpoint/2010/main" val="3706718139"/>
+      </p:ext>
+    </p:extLst>
+  </p:cSld>
+  <p:clrMap bg1="lt1" tx1="dk1" bg2="lt2" tx2="dk2" accent1="accent1" accent2="accent2" accent3="accent3" accent4="accent4" accent5="accent5" accent6="accent6" hlink="hlink" folHlink="folHlink"/>
+  <p:notesStyle>
+    <a:lvl1pPr marL="0" algn="l" defTabSz="914400" rtl="0" eaLnBrk="1" latinLnBrk="0" hangingPunct="1">
+      <a:defRPr sz="1200" kern="1200">
+        <a:solidFill>
+          <a:schemeClr val="tx1"/>
+        </a:solidFill>
+        <a:latin typeface="+mn-lt"/>
+        <a:ea typeface="+mn-ea"/>
+        <a:cs typeface="+mn-cs"/>
+      </a:defRPr>
+    </a:lvl1pPr>
+    <a:lvl2pPr marL="457200" algn="l" defTabSz="914400" rtl="0" eaLnBrk="1" latinLnBrk="0" hangingPunct="1">
+      <a:defRPr sz="1200" kern="1200">
+        <a:solidFill>
+          <a:schemeClr val="tx1"/>
+        </a:solidFill>
+        <a:latin typeface="+mn-lt"/>
+        <a:ea typeface="+mn-ea"/>
+        <a:cs typeface="+mn-cs"/>
+      </a:defRPr>
+    </a:lvl2pPr>
+    <a:lvl3pPr marL="914400" algn="l" defTabSz="914400" rtl="0" eaLnBrk="1" latinLnBrk="0" hangingPunct="1">
+      <a:defRPr sz="1200" kern="1200">
+        <a:solidFill>
+          <a:schemeClr val="tx1"/>
+        </a:solidFill>
+        <a:latin typeface="+mn-lt"/>
+        <a:ea typeface="+mn-ea"/>
+        <a:cs typeface="+mn-cs"/>
+      </a:defRPr>
+    </a:lvl3pPr>
+    <a:lvl4pPr marL="1371600" algn="l" defTabSz="914400" rtl="0" eaLnBrk="1" latinLnBrk="0" hangingPunct="1">
+      <a:defRPr sz="1200" kern="1200">
+        <a:solidFill>
+          <a:schemeClr val="tx1"/>
+        </a:solidFill>
+        <a:latin typeface="+mn-lt"/>
+        <a:ea typeface="+mn-ea"/>
+        <a:cs typeface="+mn-cs"/>
+      </a:defRPr>
+    </a:lvl4pPr>
+    <a:lvl5pPr marL="1828800" algn="l" defTabSz="914400" rtl="0" eaLnBrk="1" latinLnBrk="0" hangingPunct="1">
+      <a:defRPr sz="1200" kern="1200">
+        <a:solidFill>
+          <a:schemeClr val="tx1"/>
+        </a:solidFill>
+        <a:latin typeface="+mn-lt"/>
+        <a:ea typeface="+mn-ea"/>
+        <a:cs typeface="+mn-cs"/>
+      </a:defRPr>
+    </a:lvl5pPr>
+    <a:lvl6pPr marL="2286000" algn="l" defTabSz="914400" rtl="0" eaLnBrk="1" latinLnBrk="0" hangingPunct="1">
+      <a:defRPr sz="1200" kern="1200">
+        <a:solidFill>
+          <a:schemeClr val="tx1"/>
+        </a:solidFill>
+        <a:latin typeface="+mn-lt"/>
+        <a:ea typeface="+mn-ea"/>
+        <a:cs typeface="+mn-cs"/>
+      </a:defRPr>
+    </a:lvl6pPr>
+    <a:lvl7pPr marL="2743200" algn="l" defTabSz="914400" rtl="0" eaLnBrk="1" latinLnBrk="0" hangingPunct="1">
+      <a:defRPr sz="1200" kern="1200">
+        <a:solidFill>
+          <a:schemeClr val="tx1"/>
+        </a:solidFill>
+        <a:latin typeface="+mn-lt"/>
+        <a:ea typeface="+mn-ea"/>
+        <a:cs typeface="+mn-cs"/>
+      </a:defRPr>
+    </a:lvl7pPr>
+    <a:lvl8pPr marL="3200400" algn="l" defTabSz="914400" rtl="0" eaLnBrk="1" latinLnBrk="0" hangingPunct="1">
+      <a:defRPr sz="1200" kern="1200">
+        <a:solidFill>
+          <a:schemeClr val="tx1"/>
+        </a:solidFill>
+        <a:latin typeface="+mn-lt"/>
+        <a:ea typeface="+mn-ea"/>
+        <a:cs typeface="+mn-cs"/>
+      </a:defRPr>
+    </a:lvl8pPr>
+    <a:lvl9pPr marL="3657600" algn="l" defTabSz="914400" rtl="0" eaLnBrk="1" latinLnBrk="0" hangingPunct="1">
+      <a:defRPr sz="1200" kern="1200">
+        <a:solidFill>
+          <a:schemeClr val="tx1"/>
+        </a:solidFill>
+        <a:latin typeface="+mn-lt"/>
+        <a:ea typeface="+mn-ea"/>
+        <a:cs typeface="+mn-cs"/>
+      </a:defRPr>
+    </a:lvl9pPr>
+  </p:notesStyle>
+</p:notesMaster>
+</file>
+
+<file path=ppt/notesSlides/notesSlide1.xml><?xml version="1.0" encoding="utf-8"?>
+<p:notes xmlns:a="http://schemas.openxmlformats.org/drawingml/2006/main" xmlns:r="http://schemas.openxmlformats.org/officeDocument/2006/relationships" xmlns:p="http://schemas.openxmlformats.org/presentationml/2006/main">
+  <p:cSld>
+    <p:spTree>
+      <p:nvGrpSpPr>
+        <p:cNvPr id="1" name=""/>
+        <p:cNvGrpSpPr/>
+        <p:nvPr/>
+      </p:nvGrpSpPr>
+      <p:grpSpPr>
+        <a:xfrm>
+          <a:off x="0" y="0"/>
+          <a:ext cx="0" cy="0"/>
+          <a:chOff x="0" y="0"/>
+          <a:chExt cx="0" cy="0"/>
+        </a:xfrm>
+      </p:grpSpPr>
+      <p:sp>
+        <p:nvSpPr>
+          <p:cNvPr id="2" name="Slide Image Placeholder 1"/>
+          <p:cNvSpPr>
+            <a:spLocks noGrp="1" noRot="1" noChangeAspect="1"/>
+          </p:cNvSpPr>
+          <p:nvPr>
+            <p:ph type="sldImg"/>
+          </p:nvPr>
+        </p:nvSpPr>
+        <p:spPr/>
+      </p:sp>
+      <p:sp>
+        <p:nvSpPr>
+          <p:cNvPr id="3" name="Notes Placeholder 2"/>
+          <p:cNvSpPr>
+            <a:spLocks noGrp="1"/>
+          </p:cNvSpPr>
+          <p:nvPr>
+            <p:ph type="body" idx="1"/>
+          </p:nvPr>
+        </p:nvSpPr>
+        <p:spPr/>
+        <p:txBody>
+          <a:bodyPr/>
+          <a:lstStyle/>
+          <a:p>
+            <a:endParaRPr lang="en-US" dirty="0"/>
+          </a:p>
+        </p:txBody>
+      </p:sp>
+      <p:sp>
+        <p:nvSpPr>
+          <p:cNvPr id="4" name="Slide Number Placeholder 3"/>
+          <p:cNvSpPr>
+            <a:spLocks noGrp="1"/>
+          </p:cNvSpPr>
+          <p:nvPr>
+            <p:ph type="sldNum" sz="quarter" idx="5"/>
+          </p:nvPr>
+        </p:nvSpPr>
+        <p:spPr/>
+        <p:txBody>
+          <a:bodyPr/>
+          <a:lstStyle/>
+          <a:p>
+            <a:fld id="{9895F4D5-00EE-9640-949F-FD81D84F8ABC}" type="slidenum">
+              <a:rPr lang="en-US" smtClean="0"/>
+              <a:t>1</a:t>
+            </a:fld>
+            <a:endParaRPr lang="en-US"/>
+          </a:p>
+        </p:txBody>
+      </p:sp>
+    </p:spTree>
+    <p:extLst>
+      <p:ext uri="{BB962C8B-B14F-4D97-AF65-F5344CB8AC3E}">
+        <p14:creationId xmlns:p14="http://schemas.microsoft.com/office/powerpoint/2010/main" val="2107675571"/>
+      </p:ext>
+    </p:extLst>
+  </p:cSld>
+  <p:clrMapOvr>
+    <a:masterClrMapping/>
+  </p:clrMapOvr>
+</p:notes>
+</file>
+
 <file path=ppt/slideLayouts/slideLayout1.xml><?xml version="1.0" encoding="utf-8"?>
 <p:sldLayout xmlns:a="http://schemas.openxmlformats.org/drawingml/2006/main" xmlns:r="http://schemas.openxmlformats.org/officeDocument/2006/relationships" xmlns:p="http://schemas.openxmlformats.org/presentationml/2006/main" type="title" preserve="1">
   <p:cSld name="Title Slide">
@@ -259,7 +695,7 @@
           <a:p>
             <a:fld id="{877F05C3-11B0-4645-BB14-A91399167B13}" type="datetimeFigureOut">
               <a:rPr lang="en-US" smtClean="0"/>
-              <a:t>5/20/19</a:t>
+              <a:t>5/21/19</a:t>
             </a:fld>
             <a:endParaRPr lang="en-US"/>
           </a:p>
@@ -457,7 +893,7 @@
           <a:p>
             <a:fld id="{877F05C3-11B0-4645-BB14-A91399167B13}" type="datetimeFigureOut">
               <a:rPr lang="en-US" smtClean="0"/>
-              <a:t>5/20/19</a:t>
+              <a:t>5/21/19</a:t>
             </a:fld>
             <a:endParaRPr lang="en-US"/>
           </a:p>
@@ -665,7 +1101,7 @@
           <a:p>
             <a:fld id="{877F05C3-11B0-4645-BB14-A91399167B13}" type="datetimeFigureOut">
               <a:rPr lang="en-US" smtClean="0"/>
-              <a:t>5/20/19</a:t>
+              <a:t>5/21/19</a:t>
             </a:fld>
             <a:endParaRPr lang="en-US"/>
           </a:p>
@@ -863,7 +1299,7 @@
           <a:p>
             <a:fld id="{877F05C3-11B0-4645-BB14-A91399167B13}" type="datetimeFigureOut">
               <a:rPr lang="en-US" smtClean="0"/>
-              <a:t>5/20/19</a:t>
+              <a:t>5/21/19</a:t>
             </a:fld>
             <a:endParaRPr lang="en-US"/>
           </a:p>
@@ -1138,7 +1574,7 @@
           <a:p>
             <a:fld id="{877F05C3-11B0-4645-BB14-A91399167B13}" type="datetimeFigureOut">
               <a:rPr lang="en-US" smtClean="0"/>
-              <a:t>5/20/19</a:t>
+              <a:t>5/21/19</a:t>
             </a:fld>
             <a:endParaRPr lang="en-US"/>
           </a:p>
@@ -1403,7 +1839,7 @@
           <a:p>
             <a:fld id="{877F05C3-11B0-4645-BB14-A91399167B13}" type="datetimeFigureOut">
               <a:rPr lang="en-US" smtClean="0"/>
-              <a:t>5/20/19</a:t>
+              <a:t>5/21/19</a:t>
             </a:fld>
             <a:endParaRPr lang="en-US"/>
           </a:p>
@@ -1815,7 +2251,7 @@
           <a:p>
             <a:fld id="{877F05C3-11B0-4645-BB14-A91399167B13}" type="datetimeFigureOut">
               <a:rPr lang="en-US" smtClean="0"/>
-              <a:t>5/20/19</a:t>
+              <a:t>5/21/19</a:t>
             </a:fld>
             <a:endParaRPr lang="en-US"/>
           </a:p>
@@ -1956,7 +2392,7 @@
           <a:p>
             <a:fld id="{877F05C3-11B0-4645-BB14-A91399167B13}" type="datetimeFigureOut">
               <a:rPr lang="en-US" smtClean="0"/>
-              <a:t>5/20/19</a:t>
+              <a:t>5/21/19</a:t>
             </a:fld>
             <a:endParaRPr lang="en-US"/>
           </a:p>
@@ -2069,7 +2505,7 @@
           <a:p>
             <a:fld id="{877F05C3-11B0-4645-BB14-A91399167B13}" type="datetimeFigureOut">
               <a:rPr lang="en-US" smtClean="0"/>
-              <a:t>5/20/19</a:t>
+              <a:t>5/21/19</a:t>
             </a:fld>
             <a:endParaRPr lang="en-US"/>
           </a:p>
@@ -2380,7 +2816,7 @@
           <a:p>
             <a:fld id="{877F05C3-11B0-4645-BB14-A91399167B13}" type="datetimeFigureOut">
               <a:rPr lang="en-US" smtClean="0"/>
-              <a:t>5/20/19</a:t>
+              <a:t>5/21/19</a:t>
             </a:fld>
             <a:endParaRPr lang="en-US"/>
           </a:p>
@@ -2668,7 +3104,7 @@
           <a:p>
             <a:fld id="{877F05C3-11B0-4645-BB14-A91399167B13}" type="datetimeFigureOut">
               <a:rPr lang="en-US" smtClean="0"/>
-              <a:t>5/20/19</a:t>
+              <a:t>5/21/19</a:t>
             </a:fld>
             <a:endParaRPr lang="en-US"/>
           </a:p>
@@ -2909,7 +3345,7 @@
           <a:p>
             <a:fld id="{877F05C3-11B0-4645-BB14-A91399167B13}" type="datetimeFigureOut">
               <a:rPr lang="en-US" smtClean="0"/>
-              <a:t>5/20/19</a:t>
+              <a:t>5/21/19</a:t>
             </a:fld>
             <a:endParaRPr lang="en-US"/>
           </a:p>
@@ -3342,7 +3778,7 @@
         </p:nvCxnSpPr>
         <p:spPr>
           <a:xfrm>
-            <a:off x="4301761" y="1634387"/>
+            <a:off x="2398571" y="1634387"/>
             <a:ext cx="2555121" cy="0"/>
           </a:xfrm>
           <a:prstGeom prst="line">
@@ -3388,7 +3824,7 @@
         </p:nvCxnSpPr>
         <p:spPr>
           <a:xfrm>
-            <a:off x="4301761" y="2198160"/>
+            <a:off x="2398571" y="2198160"/>
             <a:ext cx="2555121" cy="0"/>
           </a:xfrm>
           <a:prstGeom prst="line">
@@ -3434,7 +3870,7 @@
         </p:nvCxnSpPr>
         <p:spPr>
           <a:xfrm>
-            <a:off x="4301761" y="2751300"/>
+            <a:off x="2398571" y="2751300"/>
             <a:ext cx="2555121" cy="0"/>
           </a:xfrm>
           <a:prstGeom prst="line">
@@ -3480,7 +3916,7 @@
         </p:nvCxnSpPr>
         <p:spPr>
           <a:xfrm>
-            <a:off x="4301761" y="2955545"/>
+            <a:off x="2398571" y="2955545"/>
             <a:ext cx="2555121" cy="0"/>
           </a:xfrm>
           <a:prstGeom prst="line">
@@ -3526,7 +3962,7 @@
         </p:nvCxnSpPr>
         <p:spPr>
           <a:xfrm>
-            <a:off x="4302412" y="3247183"/>
+            <a:off x="2399222" y="3247183"/>
             <a:ext cx="2555121" cy="0"/>
           </a:xfrm>
           <a:prstGeom prst="line">
@@ -3572,7 +4008,7 @@
         </p:nvCxnSpPr>
         <p:spPr>
           <a:xfrm>
-            <a:off x="4305901" y="3583301"/>
+            <a:off x="2402711" y="3583301"/>
             <a:ext cx="2555121" cy="0"/>
           </a:xfrm>
           <a:prstGeom prst="line">
@@ -3616,7 +4052,7 @@
         </p:nvSpPr>
         <p:spPr>
           <a:xfrm>
-            <a:off x="2083982" y="2392326"/>
+            <a:off x="180792" y="2392326"/>
             <a:ext cx="563526" cy="563526"/>
           </a:xfrm>
           <a:prstGeom prst="ellipse">
@@ -3670,7 +4106,7 @@
         </p:nvSpPr>
         <p:spPr>
           <a:xfrm>
-            <a:off x="2903947" y="1634634"/>
+            <a:off x="1000757" y="1634634"/>
             <a:ext cx="563526" cy="563526"/>
           </a:xfrm>
           <a:prstGeom prst="ellipse">
@@ -3727,7 +4163,7 @@
         </p:nvSpPr>
         <p:spPr>
           <a:xfrm>
-            <a:off x="2903947" y="3155336"/>
+            <a:off x="1000757" y="3155336"/>
             <a:ext cx="563526" cy="563526"/>
           </a:xfrm>
           <a:prstGeom prst="ellipse">
@@ -3788,7 +4224,7 @@
         </p:nvCxnSpPr>
         <p:spPr>
           <a:xfrm flipV="1">
-            <a:off x="2564982" y="2115634"/>
+            <a:off x="661792" y="2115634"/>
             <a:ext cx="421491" cy="359218"/>
           </a:xfrm>
           <a:prstGeom prst="straightConnector1">
@@ -3834,7 +4270,7 @@
         </p:nvCxnSpPr>
         <p:spPr>
           <a:xfrm>
-            <a:off x="2564982" y="2873326"/>
+            <a:off x="661792" y="2873326"/>
             <a:ext cx="421491" cy="364536"/>
           </a:xfrm>
           <a:prstGeom prst="straightConnector1">
@@ -3862,8 +4298,8 @@
           </a:fontRef>
         </p:style>
       </p:cxnSp>
-      <mc:AlternateContent xmlns:mc="http://schemas.openxmlformats.org/markup-compatibility/2006" xmlns:a14="http://schemas.microsoft.com/office/drawing/2010/main">
-        <mc:Choice Requires="a14">
+      <mc:AlternateContent xmlns:mc="http://schemas.openxmlformats.org/markup-compatibility/2006">
+        <mc:Choice xmlns:a14="http://schemas.microsoft.com/office/drawing/2010/main" Requires="a14">
           <p:sp>
             <p:nvSpPr>
               <p:cNvPr id="20" name="TextBox 19">
@@ -3878,7 +4314,7 @@
             </p:nvSpPr>
             <p:spPr>
               <a:xfrm>
-                <a:off x="2532840" y="2018244"/>
+                <a:off x="629650" y="2018244"/>
                 <a:ext cx="259623" cy="276999"/>
               </a:xfrm>
               <a:prstGeom prst="rect">
@@ -3945,7 +4381,7 @@
             </p:txBody>
           </p:sp>
         </mc:Choice>
-        <mc:Fallback xmlns="">
+        <mc:Fallback>
           <p:sp>
             <p:nvSpPr>
               <p:cNvPr id="20" name="TextBox 19">
@@ -3962,16 +4398,16 @@
             </p:nvSpPr>
             <p:spPr>
               <a:xfrm>
-                <a:off x="2532840" y="2018244"/>
+                <a:off x="629650" y="2018244"/>
                 <a:ext cx="259623" cy="276999"/>
               </a:xfrm>
               <a:prstGeom prst="rect">
                 <a:avLst/>
               </a:prstGeom>
               <a:blipFill>
-                <a:blip r:embed="rId2"/>
+                <a:blip r:embed="rId3"/>
                 <a:stretch>
-                  <a:fillRect l="-13636" r="-4545" b="-13043"/>
+                  <a:fillRect l="-14286" r="-9524" b="-13043"/>
                 </a:stretch>
               </a:blipFill>
             </p:spPr>
@@ -3990,8 +4426,8 @@
           </p:sp>
         </mc:Fallback>
       </mc:AlternateContent>
-      <mc:AlternateContent xmlns:mc="http://schemas.openxmlformats.org/markup-compatibility/2006" xmlns:a14="http://schemas.microsoft.com/office/drawing/2010/main">
-        <mc:Choice Requires="a14">
+      <mc:AlternateContent xmlns:mc="http://schemas.openxmlformats.org/markup-compatibility/2006">
+        <mc:Choice xmlns:a14="http://schemas.microsoft.com/office/drawing/2010/main" Requires="a14">
           <p:sp>
             <p:nvSpPr>
               <p:cNvPr id="21" name="TextBox 20">
@@ -4006,7 +4442,7 @@
             </p:nvSpPr>
             <p:spPr>
               <a:xfrm>
-                <a:off x="2527519" y="2955545"/>
+                <a:off x="624329" y="2955545"/>
                 <a:ext cx="259623" cy="276999"/>
               </a:xfrm>
               <a:prstGeom prst="rect">
@@ -4073,7 +4509,7 @@
             </p:txBody>
           </p:sp>
         </mc:Choice>
-        <mc:Fallback xmlns="">
+        <mc:Fallback>
           <p:sp>
             <p:nvSpPr>
               <p:cNvPr id="21" name="TextBox 20">
@@ -4090,16 +4526,16 @@
             </p:nvSpPr>
             <p:spPr>
               <a:xfrm>
-                <a:off x="2527519" y="2955545"/>
+                <a:off x="624329" y="2955545"/>
                 <a:ext cx="259623" cy="276999"/>
               </a:xfrm>
               <a:prstGeom prst="rect">
                 <a:avLst/>
               </a:prstGeom>
               <a:blipFill>
-                <a:blip r:embed="rId3"/>
+                <a:blip r:embed="rId4"/>
                 <a:stretch>
-                  <a:fillRect l="-14286" r="-9524" b="-13043"/>
+                  <a:fillRect l="-13636" r="-4545" b="-13043"/>
                 </a:stretch>
               </a:blipFill>
             </p:spPr>
@@ -4118,8 +4554,8 @@
           </p:sp>
         </mc:Fallback>
       </mc:AlternateContent>
-      <mc:AlternateContent xmlns:mc="http://schemas.openxmlformats.org/markup-compatibility/2006" xmlns:a14="http://schemas.microsoft.com/office/drawing/2010/main">
-        <mc:Choice Requires="a14">
+      <mc:AlternateContent xmlns:mc="http://schemas.openxmlformats.org/markup-compatibility/2006">
+        <mc:Choice xmlns:a14="http://schemas.microsoft.com/office/drawing/2010/main" Requires="a14">
           <p:sp>
             <p:nvSpPr>
               <p:cNvPr id="24" name="TextBox 23">
@@ -4134,7 +4570,7 @@
             </p:nvSpPr>
             <p:spPr>
               <a:xfrm>
-                <a:off x="6899409" y="1474622"/>
+                <a:off x="4996219" y="1474622"/>
                 <a:ext cx="259623" cy="276999"/>
               </a:xfrm>
               <a:prstGeom prst="rect">
@@ -4188,7 +4624,7 @@
             </p:txBody>
           </p:sp>
         </mc:Choice>
-        <mc:Fallback xmlns="">
+        <mc:Fallback>
           <p:sp>
             <p:nvSpPr>
               <p:cNvPr id="24" name="TextBox 23">
@@ -4205,14 +4641,14 @@
             </p:nvSpPr>
             <p:spPr>
               <a:xfrm>
-                <a:off x="6899409" y="1474622"/>
+                <a:off x="4996219" y="1474622"/>
                 <a:ext cx="259623" cy="276999"/>
               </a:xfrm>
               <a:prstGeom prst="rect">
                 <a:avLst/>
               </a:prstGeom>
               <a:blipFill>
-                <a:blip r:embed="rId4"/>
+                <a:blip r:embed="rId5"/>
                 <a:stretch>
                   <a:fillRect l="-13636" r="-4545" b="-13043"/>
                 </a:stretch>
@@ -4247,7 +4683,7 @@
         </p:nvGrpSpPr>
         <p:grpSpPr>
           <a:xfrm>
-            <a:off x="4301761" y="1634387"/>
+            <a:off x="2398571" y="1634387"/>
             <a:ext cx="1617424" cy="2084475"/>
             <a:chOff x="3726695" y="581763"/>
             <a:chExt cx="1617424" cy="2084475"/>
@@ -4385,7 +4821,7 @@
         </p:nvGrpSpPr>
         <p:grpSpPr>
           <a:xfrm flipH="1">
-            <a:off x="5663988" y="2181504"/>
+            <a:off x="3760798" y="2181504"/>
             <a:ext cx="1192894" cy="1537357"/>
             <a:chOff x="3726695" y="581763"/>
             <a:chExt cx="1617424" cy="2084475"/>
@@ -4535,7 +4971,7 @@
         </p:nvGrpSpPr>
         <p:grpSpPr>
           <a:xfrm flipH="1">
-            <a:off x="5339904" y="2917873"/>
+            <a:off x="3436714" y="2917873"/>
             <a:ext cx="619549" cy="800987"/>
             <a:chOff x="3726695" y="581763"/>
             <a:chExt cx="1617424" cy="2091096"/>
@@ -4685,7 +5121,7 @@
         </p:nvGrpSpPr>
         <p:grpSpPr>
           <a:xfrm>
-            <a:off x="5175642" y="1634387"/>
+            <a:off x="3272452" y="1634387"/>
             <a:ext cx="1192894" cy="1980127"/>
             <a:chOff x="4912204" y="581763"/>
             <a:chExt cx="1192894" cy="1980127"/>
@@ -4873,8 +5309,8 @@
           </p:txBody>
         </p:sp>
       </p:grpSp>
-      <mc:AlternateContent xmlns:mc="http://schemas.openxmlformats.org/markup-compatibility/2006" xmlns:a14="http://schemas.microsoft.com/office/drawing/2010/main">
-        <mc:Choice Requires="a14">
+      <mc:AlternateContent xmlns:mc="http://schemas.openxmlformats.org/markup-compatibility/2006">
+        <mc:Choice xmlns:a14="http://schemas.microsoft.com/office/drawing/2010/main" Requires="a14">
           <p:sp>
             <p:nvSpPr>
               <p:cNvPr id="85" name="TextBox 84">
@@ -4889,7 +5325,7 @@
             </p:nvSpPr>
             <p:spPr>
               <a:xfrm>
-                <a:off x="6899409" y="2038395"/>
+                <a:off x="4996219" y="2038395"/>
                 <a:ext cx="259623" cy="276999"/>
               </a:xfrm>
               <a:prstGeom prst="rect">
@@ -4956,7 +5392,7 @@
             </p:txBody>
           </p:sp>
         </mc:Choice>
-        <mc:Fallback xmlns="">
+        <mc:Fallback>
           <p:sp>
             <p:nvSpPr>
               <p:cNvPr id="85" name="TextBox 84">
@@ -4973,14 +5409,14 @@
             </p:nvSpPr>
             <p:spPr>
               <a:xfrm>
-                <a:off x="6899409" y="2038395"/>
+                <a:off x="4996219" y="2038395"/>
                 <a:ext cx="259623" cy="276999"/>
               </a:xfrm>
               <a:prstGeom prst="rect">
                 <a:avLst/>
               </a:prstGeom>
               <a:blipFill>
-                <a:blip r:embed="rId5"/>
+                <a:blip r:embed="rId6"/>
                 <a:stretch>
                   <a:fillRect l="-13636" r="-4545" b="-13636"/>
                 </a:stretch>
@@ -5001,8 +5437,8 @@
           </p:sp>
         </mc:Fallback>
       </mc:AlternateContent>
-      <mc:AlternateContent xmlns:mc="http://schemas.openxmlformats.org/markup-compatibility/2006" xmlns:a14="http://schemas.microsoft.com/office/drawing/2010/main">
-        <mc:Choice Requires="a14">
+      <mc:AlternateContent xmlns:mc="http://schemas.openxmlformats.org/markup-compatibility/2006">
+        <mc:Choice xmlns:a14="http://schemas.microsoft.com/office/drawing/2010/main" Requires="a14">
           <p:sp>
             <p:nvSpPr>
               <p:cNvPr id="87" name="TextBox 86">
@@ -5017,7 +5453,7 @@
             </p:nvSpPr>
             <p:spPr>
               <a:xfrm>
-                <a:off x="6899409" y="2591535"/>
+                <a:off x="4996219" y="2591535"/>
                 <a:ext cx="270843" cy="276999"/>
               </a:xfrm>
               <a:prstGeom prst="rect">
@@ -5084,7 +5520,7 @@
             </p:txBody>
           </p:sp>
         </mc:Choice>
-        <mc:Fallback xmlns="">
+        <mc:Fallback>
           <p:sp>
             <p:nvSpPr>
               <p:cNvPr id="87" name="TextBox 86">
@@ -5101,16 +5537,16 @@
             </p:nvSpPr>
             <p:spPr>
               <a:xfrm>
-                <a:off x="6899409" y="2591535"/>
+                <a:off x="4996219" y="2591535"/>
                 <a:ext cx="270843" cy="276999"/>
               </a:xfrm>
               <a:prstGeom prst="rect">
                 <a:avLst/>
               </a:prstGeom>
               <a:blipFill>
-                <a:blip r:embed="rId6"/>
+                <a:blip r:embed="rId7"/>
                 <a:stretch>
-                  <a:fillRect l="-13043" b="-9091"/>
+                  <a:fillRect l="-13043" r="-4348" b="-9091"/>
                 </a:stretch>
               </a:blipFill>
             </p:spPr>
@@ -5129,8 +5565,8 @@
           </p:sp>
         </mc:Fallback>
       </mc:AlternateContent>
-      <mc:AlternateContent xmlns:mc="http://schemas.openxmlformats.org/markup-compatibility/2006" xmlns:a14="http://schemas.microsoft.com/office/drawing/2010/main">
-        <mc:Choice Requires="a14">
+      <mc:AlternateContent xmlns:mc="http://schemas.openxmlformats.org/markup-compatibility/2006">
+        <mc:Choice xmlns:a14="http://schemas.microsoft.com/office/drawing/2010/main" Requires="a14">
           <p:sp>
             <p:nvSpPr>
               <p:cNvPr id="91" name="TextBox 90">
@@ -5145,7 +5581,7 @@
             </p:nvSpPr>
             <p:spPr>
               <a:xfrm>
-                <a:off x="6899409" y="2795780"/>
+                <a:off x="4996219" y="2795780"/>
                 <a:ext cx="259622" cy="276999"/>
               </a:xfrm>
               <a:prstGeom prst="rect">
@@ -5212,7 +5648,7 @@
             </p:txBody>
           </p:sp>
         </mc:Choice>
-        <mc:Fallback xmlns="">
+        <mc:Fallback>
           <p:sp>
             <p:nvSpPr>
               <p:cNvPr id="91" name="TextBox 90">
@@ -5229,14 +5665,14 @@
             </p:nvSpPr>
             <p:spPr>
               <a:xfrm>
-                <a:off x="6899409" y="2795780"/>
+                <a:off x="4996219" y="2795780"/>
                 <a:ext cx="259622" cy="276999"/>
               </a:xfrm>
               <a:prstGeom prst="rect">
                 <a:avLst/>
               </a:prstGeom>
               <a:blipFill>
-                <a:blip r:embed="rId7"/>
+                <a:blip r:embed="rId8"/>
                 <a:stretch>
                   <a:fillRect l="-13636" r="-4545" b="-13043"/>
                 </a:stretch>
@@ -5257,8 +5693,8 @@
           </p:sp>
         </mc:Fallback>
       </mc:AlternateContent>
-      <mc:AlternateContent xmlns:mc="http://schemas.openxmlformats.org/markup-compatibility/2006" xmlns:a14="http://schemas.microsoft.com/office/drawing/2010/main">
-        <mc:Choice Requires="a14">
+      <mc:AlternateContent xmlns:mc="http://schemas.openxmlformats.org/markup-compatibility/2006">
+        <mc:Choice xmlns:a14="http://schemas.microsoft.com/office/drawing/2010/main" Requires="a14">
           <p:sp>
             <p:nvSpPr>
               <p:cNvPr id="96" name="TextBox 95">
@@ -5273,7 +5709,7 @@
             </p:nvSpPr>
             <p:spPr>
               <a:xfrm>
-                <a:off x="6900060" y="3087418"/>
+                <a:off x="4996870" y="3087418"/>
                 <a:ext cx="280461" cy="276999"/>
               </a:xfrm>
               <a:prstGeom prst="rect">
@@ -5340,7 +5776,7 @@
             </p:txBody>
           </p:sp>
         </mc:Choice>
-        <mc:Fallback xmlns="">
+        <mc:Fallback>
           <p:sp>
             <p:nvSpPr>
               <p:cNvPr id="96" name="TextBox 95">
@@ -5357,16 +5793,16 @@
             </p:nvSpPr>
             <p:spPr>
               <a:xfrm>
-                <a:off x="6900060" y="3087418"/>
+                <a:off x="4996870" y="3087418"/>
                 <a:ext cx="280461" cy="276999"/>
               </a:xfrm>
               <a:prstGeom prst="rect">
                 <a:avLst/>
               </a:prstGeom>
               <a:blipFill>
-                <a:blip r:embed="rId8"/>
+                <a:blip r:embed="rId9"/>
                 <a:stretch>
-                  <a:fillRect l="-13043" r="-4348" b="-8696"/>
+                  <a:fillRect l="-12500" b="-8696"/>
                 </a:stretch>
               </a:blipFill>
             </p:spPr>
@@ -5385,8 +5821,8 @@
           </p:sp>
         </mc:Fallback>
       </mc:AlternateContent>
-      <mc:AlternateContent xmlns:mc="http://schemas.openxmlformats.org/markup-compatibility/2006" xmlns:a14="http://schemas.microsoft.com/office/drawing/2010/main">
-        <mc:Choice Requires="a14">
+      <mc:AlternateContent xmlns:mc="http://schemas.openxmlformats.org/markup-compatibility/2006">
+        <mc:Choice xmlns:a14="http://schemas.microsoft.com/office/drawing/2010/main" Requires="a14">
           <p:sp>
             <p:nvSpPr>
               <p:cNvPr id="100" name="TextBox 99">
@@ -5401,7 +5837,7 @@
             </p:nvSpPr>
             <p:spPr>
               <a:xfrm>
-                <a:off x="6903549" y="3423536"/>
+                <a:off x="5000359" y="3423536"/>
                 <a:ext cx="270843" cy="276999"/>
               </a:xfrm>
               <a:prstGeom prst="rect">
@@ -5468,7 +5904,7 @@
             </p:txBody>
           </p:sp>
         </mc:Choice>
-        <mc:Fallback xmlns="">
+        <mc:Fallback>
           <p:sp>
             <p:nvSpPr>
               <p:cNvPr id="100" name="TextBox 99">
@@ -5485,14 +5921,14 @@
             </p:nvSpPr>
             <p:spPr>
               <a:xfrm>
-                <a:off x="6903549" y="3423536"/>
+                <a:off x="5000359" y="3423536"/>
                 <a:ext cx="270843" cy="276999"/>
               </a:xfrm>
               <a:prstGeom prst="rect">
                 <a:avLst/>
               </a:prstGeom>
               <a:blipFill>
-                <a:blip r:embed="rId9"/>
+                <a:blip r:embed="rId10"/>
                 <a:stretch>
                   <a:fillRect l="-13636" r="-4545" b="-18182"/>
                 </a:stretch>
@@ -5527,7 +5963,7 @@
         </p:nvSpPr>
         <p:spPr>
           <a:xfrm>
-            <a:off x="5124741" y="2693564"/>
+            <a:off x="3221551" y="2693564"/>
             <a:ext cx="124047" cy="124047"/>
           </a:xfrm>
           <a:prstGeom prst="ellipse">
@@ -5578,7 +6014,7 @@
         </p:nvSpPr>
         <p:spPr>
           <a:xfrm>
-            <a:off x="5583461" y="3514866"/>
+            <a:off x="3680271" y="3514866"/>
             <a:ext cx="124047" cy="124047"/>
           </a:xfrm>
           <a:prstGeom prst="ellipse">
@@ -5632,7 +6068,7 @@
         </p:nvSpPr>
         <p:spPr>
           <a:xfrm>
-            <a:off x="6297414" y="3174370"/>
+            <a:off x="4394224" y="3174370"/>
             <a:ext cx="124047" cy="124047"/>
           </a:xfrm>
           <a:prstGeom prst="ellipse">
@@ -5688,7 +6124,7 @@
         </p:nvCxnSpPr>
         <p:spPr>
           <a:xfrm flipH="1">
-            <a:off x="8660626" y="1569171"/>
+            <a:off x="10224065" y="1569171"/>
             <a:ext cx="297296" cy="456100"/>
           </a:xfrm>
           <a:prstGeom prst="line">
@@ -5729,7 +6165,7 @@
         </p:nvSpPr>
         <p:spPr>
           <a:xfrm>
-            <a:off x="8587967" y="1973634"/>
+            <a:off x="10151406" y="1973634"/>
             <a:ext cx="124047" cy="124047"/>
           </a:xfrm>
           <a:prstGeom prst="ellipse">
@@ -5782,7 +6218,7 @@
         </p:nvCxnSpPr>
         <p:spPr>
           <a:xfrm>
-            <a:off x="8890116" y="1705734"/>
+            <a:off x="10453555" y="1705734"/>
             <a:ext cx="328476" cy="492786"/>
           </a:xfrm>
           <a:prstGeom prst="line">
@@ -5823,7 +6259,7 @@
         </p:nvSpPr>
         <p:spPr>
           <a:xfrm>
-            <a:off x="9135302" y="2126767"/>
+            <a:off x="10698741" y="2126767"/>
             <a:ext cx="124047" cy="124047"/>
           </a:xfrm>
           <a:prstGeom prst="ellipse">
@@ -5879,7 +6315,7 @@
             </p:nvSpPr>
             <p:spPr>
               <a:xfrm>
-                <a:off x="8749885" y="2098790"/>
+                <a:off x="10313324" y="2098790"/>
                 <a:ext cx="280461" cy="276999"/>
               </a:xfrm>
               <a:prstGeom prst="rect">
@@ -5963,14 +6399,14 @@
             </p:nvSpPr>
             <p:spPr>
               <a:xfrm>
-                <a:off x="8749885" y="2098790"/>
+                <a:off x="10313324" y="2098790"/>
                 <a:ext cx="280461" cy="276999"/>
               </a:xfrm>
               <a:prstGeom prst="rect">
                 <a:avLst/>
               </a:prstGeom>
               <a:blipFill>
-                <a:blip r:embed="rId10"/>
+                <a:blip r:embed="rId11"/>
                 <a:stretch>
                   <a:fillRect l="-13043" r="-4348" b="-13043"/>
                 </a:stretch>
@@ -6007,7 +6443,7 @@
         </p:nvCxnSpPr>
         <p:spPr>
           <a:xfrm flipH="1">
-            <a:off x="8002109" y="2759467"/>
+            <a:off x="9565548" y="2759467"/>
             <a:ext cx="297296" cy="456100"/>
           </a:xfrm>
           <a:prstGeom prst="line">
@@ -6048,7 +6484,7 @@
         </p:nvSpPr>
         <p:spPr>
           <a:xfrm>
-            <a:off x="7929450" y="3163930"/>
+            <a:off x="9492889" y="3163930"/>
             <a:ext cx="124047" cy="124047"/>
           </a:xfrm>
           <a:prstGeom prst="ellipse">
@@ -6101,7 +6537,7 @@
         </p:nvCxnSpPr>
         <p:spPr>
           <a:xfrm>
-            <a:off x="8231599" y="2896030"/>
+            <a:off x="9795038" y="2896030"/>
             <a:ext cx="328476" cy="492786"/>
           </a:xfrm>
           <a:prstGeom prst="line">
@@ -6142,7 +6578,7 @@
         </p:nvSpPr>
         <p:spPr>
           <a:xfrm>
-            <a:off x="8476785" y="3317063"/>
+            <a:off x="10040224" y="3317063"/>
             <a:ext cx="124047" cy="124047"/>
           </a:xfrm>
           <a:prstGeom prst="ellipse">
@@ -6198,7 +6634,7 @@
             </p:nvSpPr>
             <p:spPr>
               <a:xfrm>
-                <a:off x="8759781" y="3515239"/>
+                <a:off x="10323220" y="3515239"/>
                 <a:ext cx="264431" cy="276999"/>
               </a:xfrm>
               <a:prstGeom prst="rect">
@@ -6282,16 +6718,16 @@
             </p:nvSpPr>
             <p:spPr>
               <a:xfrm>
-                <a:off x="8759781" y="3515239"/>
+                <a:off x="10323220" y="3515239"/>
                 <a:ext cx="264431" cy="276999"/>
               </a:xfrm>
               <a:prstGeom prst="rect">
                 <a:avLst/>
               </a:prstGeom>
               <a:blipFill>
-                <a:blip r:embed="rId11"/>
+                <a:blip r:embed="rId12"/>
                 <a:stretch>
-                  <a:fillRect l="-18182" r="-4545" b="-13043"/>
+                  <a:fillRect l="-13636" r="-4545" b="-13043"/>
                 </a:stretch>
               </a:blipFill>
             </p:spPr>
@@ -6326,7 +6762,7 @@
         </p:nvCxnSpPr>
         <p:spPr>
           <a:xfrm>
-            <a:off x="8101264" y="3057199"/>
+            <a:off x="9664703" y="3057199"/>
             <a:ext cx="294573" cy="544089"/>
           </a:xfrm>
           <a:prstGeom prst="line">
@@ -6367,7 +6803,7 @@
         </p:nvSpPr>
         <p:spPr>
           <a:xfrm>
-            <a:off x="8333813" y="3562501"/>
+            <a:off x="9897252" y="3562501"/>
             <a:ext cx="124047" cy="124047"/>
           </a:xfrm>
           <a:prstGeom prst="ellipse">
@@ -6421,7 +6857,7 @@
         </p:nvSpPr>
         <p:spPr>
           <a:xfrm rot="2122938">
-            <a:off x="8539467" y="1586465"/>
+            <a:off x="10102906" y="1586465"/>
             <a:ext cx="262971" cy="349996"/>
           </a:xfrm>
           <a:prstGeom prst="leftBrace">
@@ -6473,7 +6909,7 @@
         </p:nvSpPr>
         <p:spPr>
           <a:xfrm rot="2122938">
-            <a:off x="7874091" y="2769341"/>
+            <a:off x="9437530" y="2769341"/>
             <a:ext cx="262971" cy="349996"/>
           </a:xfrm>
           <a:prstGeom prst="leftBrace">
@@ -6526,7 +6962,7 @@
         </p:nvSpPr>
         <p:spPr>
           <a:xfrm rot="2122938">
-            <a:off x="7823032" y="2966142"/>
+            <a:off x="9386471" y="2966142"/>
             <a:ext cx="262971" cy="139494"/>
           </a:xfrm>
           <a:prstGeom prst="leftBrace">
@@ -6578,7 +7014,7 @@
         </p:nvSpPr>
         <p:spPr>
           <a:xfrm rot="8767024">
-            <a:off x="9023289" y="1593958"/>
+            <a:off x="10586728" y="1593958"/>
             <a:ext cx="262971" cy="508821"/>
           </a:xfrm>
           <a:prstGeom prst="leftBrace">
@@ -6630,7 +7066,7 @@
         </p:nvSpPr>
         <p:spPr>
           <a:xfrm rot="8767024">
-            <a:off x="8357538" y="2783977"/>
+            <a:off x="9920977" y="2783977"/>
             <a:ext cx="262971" cy="508821"/>
           </a:xfrm>
           <a:prstGeom prst="leftBrace">
@@ -6682,7 +7118,7 @@
         </p:nvSpPr>
         <p:spPr>
           <a:xfrm rot="19912354">
-            <a:off x="7998314" y="3135575"/>
+            <a:off x="9561753" y="3135575"/>
             <a:ext cx="262971" cy="508821"/>
           </a:xfrm>
           <a:prstGeom prst="leftBrace">
@@ -6734,7 +7170,7 @@
         </p:nvSpPr>
         <p:spPr>
           <a:xfrm>
-            <a:off x="2472775" y="3787638"/>
+            <a:off x="569585" y="3787638"/>
             <a:ext cx="605904" cy="369332"/>
           </a:xfrm>
           <a:prstGeom prst="rect">
@@ -6774,7 +7210,47 @@
         </p:nvSpPr>
         <p:spPr>
           <a:xfrm>
-            <a:off x="5272827" y="3792956"/>
+            <a:off x="5267061" y="3792956"/>
+            <a:ext cx="631187" cy="369332"/>
+          </a:xfrm>
+          <a:prstGeom prst="rect">
+            <a:avLst/>
+          </a:prstGeom>
+          <a:noFill/>
+        </p:spPr>
+        <p:txBody>
+          <a:bodyPr wrap="square" rtlCol="0">
+            <a:spAutoFit/>
+          </a:bodyPr>
+          <a:lstStyle/>
+          <a:p>
+            <a:pPr algn="ctr"/>
+            <a:r>
+              <a:rPr lang="en-US" dirty="0">
+                <a:latin typeface="CMU Serif Roman" panose="02000603000000000000" pitchFamily="2" charset="0"/>
+                <a:ea typeface="CMU Serif Roman" panose="02000603000000000000" pitchFamily="2" charset="0"/>
+                <a:cs typeface="CMU Serif Roman" panose="02000603000000000000" pitchFamily="2" charset="0"/>
+              </a:rPr>
+              <a:t>(b)</a:t>
+            </a:r>
+          </a:p>
+        </p:txBody>
+      </p:sp>
+      <p:sp>
+        <p:nvSpPr>
+          <p:cNvPr id="134" name="TextBox 133">
+            <a:extLst>
+              <a:ext uri="{FF2B5EF4-FFF2-40B4-BE49-F238E27FC236}">
+                <a16:creationId xmlns:a16="http://schemas.microsoft.com/office/drawing/2014/main" id="{FA93D6F1-06E8-C54C-8728-2374DA822BA0}"/>
+              </a:ext>
+            </a:extLst>
+          </p:cNvPr>
+          <p:cNvSpPr txBox="1"/>
+          <p:nvPr/>
+        </p:nvSpPr>
+        <p:spPr>
+          <a:xfrm>
+            <a:off x="10164271" y="3795396"/>
             <a:ext cx="605904" cy="369332"/>
           </a:xfrm>
           <a:prstGeom prst="rect">
@@ -6795,46 +7271,6 @@
                 <a:ea typeface="CMU Serif Roman" panose="02000603000000000000" pitchFamily="2" charset="0"/>
                 <a:cs typeface="CMU Serif Roman" panose="02000603000000000000" pitchFamily="2" charset="0"/>
               </a:rPr>
-              <a:t>(b)</a:t>
-            </a:r>
-          </a:p>
-        </p:txBody>
-      </p:sp>
-      <p:sp>
-        <p:nvSpPr>
-          <p:cNvPr id="134" name="TextBox 133">
-            <a:extLst>
-              <a:ext uri="{FF2B5EF4-FFF2-40B4-BE49-F238E27FC236}">
-                <a16:creationId xmlns:a16="http://schemas.microsoft.com/office/drawing/2014/main" id="{FA93D6F1-06E8-C54C-8728-2374DA822BA0}"/>
-              </a:ext>
-            </a:extLst>
-          </p:cNvPr>
-          <p:cNvSpPr txBox="1"/>
-          <p:nvPr/>
-        </p:nvSpPr>
-        <p:spPr>
-          <a:xfrm>
-            <a:off x="8600832" y="3795396"/>
-            <a:ext cx="605904" cy="369332"/>
-          </a:xfrm>
-          <a:prstGeom prst="rect">
-            <a:avLst/>
-          </a:prstGeom>
-          <a:noFill/>
-        </p:spPr>
-        <p:txBody>
-          <a:bodyPr wrap="square" rtlCol="0">
-            <a:spAutoFit/>
-          </a:bodyPr>
-          <a:lstStyle/>
-          <a:p>
-            <a:pPr algn="ctr"/>
-            <a:r>
-              <a:rPr lang="en-US" dirty="0">
-                <a:latin typeface="CMU Serif Roman" panose="02000603000000000000" pitchFamily="2" charset="0"/>
-                <a:ea typeface="CMU Serif Roman" panose="02000603000000000000" pitchFamily="2" charset="0"/>
-                <a:cs typeface="CMU Serif Roman" panose="02000603000000000000" pitchFamily="2" charset="0"/>
-              </a:rPr>
               <a:t>(c)</a:t>
             </a:r>
           </a:p>
@@ -6856,7 +7292,7 @@
         </p:nvCxnSpPr>
         <p:spPr>
           <a:xfrm>
-            <a:off x="3870251" y="1550971"/>
+            <a:off x="1967061" y="1550971"/>
             <a:ext cx="0" cy="2605999"/>
           </a:xfrm>
           <a:prstGeom prst="line">
@@ -6900,7 +7336,7 @@
         </p:nvCxnSpPr>
         <p:spPr>
           <a:xfrm>
-            <a:off x="7499497" y="1554901"/>
+            <a:off x="9105625" y="1554901"/>
             <a:ext cx="0" cy="2605999"/>
           </a:xfrm>
           <a:prstGeom prst="line">
@@ -6944,7 +7380,7 @@
         </p:nvCxnSpPr>
         <p:spPr>
           <a:xfrm flipH="1">
-            <a:off x="9218933" y="2762296"/>
+            <a:off x="10782372" y="2762296"/>
             <a:ext cx="297296" cy="456100"/>
           </a:xfrm>
           <a:prstGeom prst="line">
@@ -6985,7 +7421,7 @@
         </p:nvSpPr>
         <p:spPr>
           <a:xfrm>
-            <a:off x="9146274" y="3166759"/>
+            <a:off x="10709713" y="3166759"/>
             <a:ext cx="124047" cy="124047"/>
           </a:xfrm>
           <a:prstGeom prst="ellipse">
@@ -7038,7 +7474,7 @@
         </p:nvCxnSpPr>
         <p:spPr>
           <a:xfrm>
-            <a:off x="9444367" y="3056896"/>
+            <a:off x="11007806" y="3056896"/>
             <a:ext cx="341368" cy="346042"/>
           </a:xfrm>
           <a:prstGeom prst="line">
@@ -7079,7 +7515,7 @@
         </p:nvSpPr>
         <p:spPr>
           <a:xfrm>
-            <a:off x="9702445" y="3331185"/>
+            <a:off x="11265884" y="3331185"/>
             <a:ext cx="124047" cy="124047"/>
           </a:xfrm>
           <a:prstGeom prst="ellipse">
@@ -7135,7 +7571,7 @@
         </p:nvCxnSpPr>
         <p:spPr>
           <a:xfrm flipH="1">
-            <a:off x="9392979" y="2834924"/>
+            <a:off x="10956418" y="2834924"/>
             <a:ext cx="71939" cy="789600"/>
           </a:xfrm>
           <a:prstGeom prst="line">
@@ -7176,7 +7612,7 @@
         </p:nvSpPr>
         <p:spPr>
           <a:xfrm>
-            <a:off x="9312217" y="3565330"/>
+            <a:off x="10875656" y="3565330"/>
             <a:ext cx="124047" cy="124047"/>
           </a:xfrm>
           <a:prstGeom prst="ellipse">
@@ -7230,7 +7666,7 @@
         </p:nvSpPr>
         <p:spPr>
           <a:xfrm rot="2122938">
-            <a:off x="9144971" y="2806745"/>
+            <a:off x="10708410" y="2806745"/>
             <a:ext cx="202652" cy="312600"/>
           </a:xfrm>
           <a:prstGeom prst="leftBrace">
@@ -7282,7 +7718,7 @@
         </p:nvSpPr>
         <p:spPr>
           <a:xfrm rot="422974">
-            <a:off x="9249581" y="3128706"/>
+            <a:off x="10813020" y="3128706"/>
             <a:ext cx="169799" cy="417648"/>
           </a:xfrm>
           <a:prstGeom prst="leftBrace">
@@ -7334,7 +7770,7 @@
         </p:nvSpPr>
         <p:spPr>
           <a:xfrm rot="8767024">
-            <a:off x="9609378" y="2798610"/>
+            <a:off x="11172817" y="2798610"/>
             <a:ext cx="262971" cy="508821"/>
           </a:xfrm>
           <a:prstGeom prst="leftBrace">
@@ -7387,7 +7823,7 @@
         </p:nvSpPr>
         <p:spPr>
           <a:xfrm rot="8294624">
-            <a:off x="9582943" y="2985779"/>
+            <a:off x="11146382" y="2985779"/>
             <a:ext cx="186577" cy="377287"/>
           </a:xfrm>
           <a:prstGeom prst="leftBrace">
@@ -7441,7 +7877,7 @@
         </p:nvCxnSpPr>
         <p:spPr>
           <a:xfrm flipH="1">
-            <a:off x="8434914" y="2372524"/>
+            <a:off x="9998353" y="2372524"/>
             <a:ext cx="224763" cy="418470"/>
           </a:xfrm>
           <a:prstGeom prst="straightConnector1">
@@ -7486,7 +7922,7 @@
         </p:nvCxnSpPr>
         <p:spPr>
           <a:xfrm>
-            <a:off x="9129640" y="2377310"/>
+            <a:off x="10693079" y="2377310"/>
             <a:ext cx="224763" cy="418470"/>
           </a:xfrm>
           <a:prstGeom prst="straightConnector1">
@@ -7515,6 +7951,1895 @@
           </a:fontRef>
         </p:style>
       </p:cxnSp>
+      <p:cxnSp>
+        <p:nvCxnSpPr>
+          <p:cNvPr id="78" name="Straight Connector 77">
+            <a:extLst>
+              <a:ext uri="{FF2B5EF4-FFF2-40B4-BE49-F238E27FC236}">
+                <a16:creationId xmlns:a16="http://schemas.microsoft.com/office/drawing/2014/main" id="{A62ED7C6-6613-1B41-B489-C716C1F2A851}"/>
+              </a:ext>
+            </a:extLst>
+          </p:cNvPr>
+          <p:cNvCxnSpPr>
+            <a:cxnSpLocks/>
+          </p:cNvCxnSpPr>
+          <p:nvPr/>
+        </p:nvCxnSpPr>
+        <p:spPr>
+          <a:xfrm>
+            <a:off x="5898580" y="1639749"/>
+            <a:ext cx="2555121" cy="0"/>
+          </a:xfrm>
+          <a:prstGeom prst="line">
+            <a:avLst/>
+          </a:prstGeom>
+          <a:ln w="12700">
+            <a:solidFill>
+              <a:schemeClr val="bg2">
+                <a:lumMod val="50000"/>
+              </a:schemeClr>
+            </a:solidFill>
+            <a:prstDash val="dash"/>
+          </a:ln>
+        </p:spPr>
+        <p:style>
+          <a:lnRef idx="1">
+            <a:schemeClr val="accent1"/>
+          </a:lnRef>
+          <a:fillRef idx="0">
+            <a:schemeClr val="accent1"/>
+          </a:fillRef>
+          <a:effectRef idx="0">
+            <a:schemeClr val="accent1"/>
+          </a:effectRef>
+          <a:fontRef idx="minor">
+            <a:schemeClr val="tx1"/>
+          </a:fontRef>
+        </p:style>
+      </p:cxnSp>
+      <p:cxnSp>
+        <p:nvCxnSpPr>
+          <p:cNvPr id="83" name="Straight Connector 82">
+            <a:extLst>
+              <a:ext uri="{FF2B5EF4-FFF2-40B4-BE49-F238E27FC236}">
+                <a16:creationId xmlns:a16="http://schemas.microsoft.com/office/drawing/2014/main" id="{50916F62-186E-E646-B877-001240979DDC}"/>
+              </a:ext>
+            </a:extLst>
+          </p:cNvPr>
+          <p:cNvCxnSpPr>
+            <a:cxnSpLocks/>
+          </p:cNvCxnSpPr>
+          <p:nvPr/>
+        </p:nvCxnSpPr>
+        <p:spPr>
+          <a:xfrm>
+            <a:off x="5898580" y="2203522"/>
+            <a:ext cx="2555121" cy="0"/>
+          </a:xfrm>
+          <a:prstGeom prst="line">
+            <a:avLst/>
+          </a:prstGeom>
+          <a:ln w="12700">
+            <a:solidFill>
+              <a:schemeClr val="bg2">
+                <a:lumMod val="50000"/>
+              </a:schemeClr>
+            </a:solidFill>
+            <a:prstDash val="dash"/>
+          </a:ln>
+        </p:spPr>
+        <p:style>
+          <a:lnRef idx="1">
+            <a:schemeClr val="accent1"/>
+          </a:lnRef>
+          <a:fillRef idx="0">
+            <a:schemeClr val="accent1"/>
+          </a:fillRef>
+          <a:effectRef idx="0">
+            <a:schemeClr val="accent1"/>
+          </a:effectRef>
+          <a:fontRef idx="minor">
+            <a:schemeClr val="tx1"/>
+          </a:fontRef>
+        </p:style>
+      </p:cxnSp>
+      <p:cxnSp>
+        <p:nvCxnSpPr>
+          <p:cNvPr id="89" name="Straight Connector 88">
+            <a:extLst>
+              <a:ext uri="{FF2B5EF4-FFF2-40B4-BE49-F238E27FC236}">
+                <a16:creationId xmlns:a16="http://schemas.microsoft.com/office/drawing/2014/main" id="{0C1A47A3-D887-AF49-B00F-FDAC26C64825}"/>
+              </a:ext>
+            </a:extLst>
+          </p:cNvPr>
+          <p:cNvCxnSpPr>
+            <a:cxnSpLocks/>
+          </p:cNvCxnSpPr>
+          <p:nvPr/>
+        </p:nvCxnSpPr>
+        <p:spPr>
+          <a:xfrm>
+            <a:off x="5898580" y="2756662"/>
+            <a:ext cx="2555121" cy="0"/>
+          </a:xfrm>
+          <a:prstGeom prst="line">
+            <a:avLst/>
+          </a:prstGeom>
+          <a:ln w="12700">
+            <a:solidFill>
+              <a:schemeClr val="bg2">
+                <a:lumMod val="50000"/>
+              </a:schemeClr>
+            </a:solidFill>
+            <a:prstDash val="dash"/>
+          </a:ln>
+        </p:spPr>
+        <p:style>
+          <a:lnRef idx="1">
+            <a:schemeClr val="accent1"/>
+          </a:lnRef>
+          <a:fillRef idx="0">
+            <a:schemeClr val="accent1"/>
+          </a:fillRef>
+          <a:effectRef idx="0">
+            <a:schemeClr val="accent1"/>
+          </a:effectRef>
+          <a:fontRef idx="minor">
+            <a:schemeClr val="tx1"/>
+          </a:fontRef>
+        </p:style>
+      </p:cxnSp>
+      <p:cxnSp>
+        <p:nvCxnSpPr>
+          <p:cNvPr id="93" name="Straight Connector 92">
+            <a:extLst>
+              <a:ext uri="{FF2B5EF4-FFF2-40B4-BE49-F238E27FC236}">
+                <a16:creationId xmlns:a16="http://schemas.microsoft.com/office/drawing/2014/main" id="{9B47F223-D620-EE48-A699-B4DE21724064}"/>
+              </a:ext>
+            </a:extLst>
+          </p:cNvPr>
+          <p:cNvCxnSpPr>
+            <a:cxnSpLocks/>
+          </p:cNvCxnSpPr>
+          <p:nvPr/>
+        </p:nvCxnSpPr>
+        <p:spPr>
+          <a:xfrm>
+            <a:off x="5898580" y="2960907"/>
+            <a:ext cx="2555121" cy="0"/>
+          </a:xfrm>
+          <a:prstGeom prst="line">
+            <a:avLst/>
+          </a:prstGeom>
+          <a:ln w="12700">
+            <a:solidFill>
+              <a:schemeClr val="bg2">
+                <a:lumMod val="50000"/>
+              </a:schemeClr>
+            </a:solidFill>
+            <a:prstDash val="dash"/>
+          </a:ln>
+        </p:spPr>
+        <p:style>
+          <a:lnRef idx="1">
+            <a:schemeClr val="accent1"/>
+          </a:lnRef>
+          <a:fillRef idx="0">
+            <a:schemeClr val="accent1"/>
+          </a:fillRef>
+          <a:effectRef idx="0">
+            <a:schemeClr val="accent1"/>
+          </a:effectRef>
+          <a:fontRef idx="minor">
+            <a:schemeClr val="tx1"/>
+          </a:fontRef>
+        </p:style>
+      </p:cxnSp>
+      <p:cxnSp>
+        <p:nvCxnSpPr>
+          <p:cNvPr id="94" name="Straight Connector 93">
+            <a:extLst>
+              <a:ext uri="{FF2B5EF4-FFF2-40B4-BE49-F238E27FC236}">
+                <a16:creationId xmlns:a16="http://schemas.microsoft.com/office/drawing/2014/main" id="{503967E4-2E9C-E64B-8EA1-B319EFFE6F6F}"/>
+              </a:ext>
+            </a:extLst>
+          </p:cNvPr>
+          <p:cNvCxnSpPr>
+            <a:cxnSpLocks/>
+          </p:cNvCxnSpPr>
+          <p:nvPr/>
+        </p:nvCxnSpPr>
+        <p:spPr>
+          <a:xfrm>
+            <a:off x="5899231" y="3252545"/>
+            <a:ext cx="2555121" cy="0"/>
+          </a:xfrm>
+          <a:prstGeom prst="line">
+            <a:avLst/>
+          </a:prstGeom>
+          <a:ln w="12700">
+            <a:solidFill>
+              <a:schemeClr val="bg2">
+                <a:lumMod val="50000"/>
+              </a:schemeClr>
+            </a:solidFill>
+            <a:prstDash val="dash"/>
+          </a:ln>
+        </p:spPr>
+        <p:style>
+          <a:lnRef idx="1">
+            <a:schemeClr val="accent1"/>
+          </a:lnRef>
+          <a:fillRef idx="0">
+            <a:schemeClr val="accent1"/>
+          </a:fillRef>
+          <a:effectRef idx="0">
+            <a:schemeClr val="accent1"/>
+          </a:effectRef>
+          <a:fontRef idx="minor">
+            <a:schemeClr val="tx1"/>
+          </a:fontRef>
+        </p:style>
+      </p:cxnSp>
+      <p:cxnSp>
+        <p:nvCxnSpPr>
+          <p:cNvPr id="95" name="Straight Connector 94">
+            <a:extLst>
+              <a:ext uri="{FF2B5EF4-FFF2-40B4-BE49-F238E27FC236}">
+                <a16:creationId xmlns:a16="http://schemas.microsoft.com/office/drawing/2014/main" id="{F09B8D8B-E1C2-A54F-93DF-68B3FFAD3664}"/>
+              </a:ext>
+            </a:extLst>
+          </p:cNvPr>
+          <p:cNvCxnSpPr>
+            <a:cxnSpLocks/>
+          </p:cNvCxnSpPr>
+          <p:nvPr/>
+        </p:nvCxnSpPr>
+        <p:spPr>
+          <a:xfrm>
+            <a:off x="5902720" y="3588663"/>
+            <a:ext cx="2555121" cy="0"/>
+          </a:xfrm>
+          <a:prstGeom prst="line">
+            <a:avLst/>
+          </a:prstGeom>
+          <a:ln w="12700">
+            <a:solidFill>
+              <a:schemeClr val="bg2">
+                <a:lumMod val="50000"/>
+              </a:schemeClr>
+            </a:solidFill>
+            <a:prstDash val="dash"/>
+          </a:ln>
+        </p:spPr>
+        <p:style>
+          <a:lnRef idx="1">
+            <a:schemeClr val="accent1"/>
+          </a:lnRef>
+          <a:fillRef idx="0">
+            <a:schemeClr val="accent1"/>
+          </a:fillRef>
+          <a:effectRef idx="0">
+            <a:schemeClr val="accent1"/>
+          </a:effectRef>
+          <a:fontRef idx="minor">
+            <a:schemeClr val="tx1"/>
+          </a:fontRef>
+        </p:style>
+      </p:cxnSp>
+      <mc:AlternateContent xmlns:mc="http://schemas.openxmlformats.org/markup-compatibility/2006">
+        <mc:Choice xmlns:a14="http://schemas.microsoft.com/office/drawing/2010/main" Requires="a14">
+          <p:sp>
+            <p:nvSpPr>
+              <p:cNvPr id="98" name="TextBox 97">
+                <a:extLst>
+                  <a:ext uri="{FF2B5EF4-FFF2-40B4-BE49-F238E27FC236}">
+                    <a16:creationId xmlns:a16="http://schemas.microsoft.com/office/drawing/2014/main" id="{6F58E3F5-2535-2246-832B-D776CC7CE910}"/>
+                  </a:ext>
+                </a:extLst>
+              </p:cNvPr>
+              <p:cNvSpPr txBox="1"/>
+              <p:nvPr/>
+            </p:nvSpPr>
+            <p:spPr>
+              <a:xfrm>
+                <a:off x="8496228" y="1479984"/>
+                <a:ext cx="259623" cy="276999"/>
+              </a:xfrm>
+              <a:prstGeom prst="rect">
+                <a:avLst/>
+              </a:prstGeom>
+              <a:noFill/>
+            </p:spPr>
+            <p:txBody>
+              <a:bodyPr wrap="none" lIns="0" tIns="0" rIns="0" bIns="0" rtlCol="0">
+                <a:spAutoFit/>
+              </a:bodyPr>
+              <a:lstStyle/>
+              <a:p>
+                <a:pPr/>
+                <a14:m>
+                  <m:oMathPara xmlns:m="http://schemas.openxmlformats.org/officeDocument/2006/math">
+                    <m:oMathParaPr>
+                      <m:jc m:val="centerGroup"/>
+                    </m:oMathParaPr>
+                    <m:oMath xmlns:m="http://schemas.openxmlformats.org/officeDocument/2006/math">
+                      <m:sSub>
+                        <m:sSubPr>
+                          <m:ctrlPr>
+                            <a:rPr lang="en-US" b="1" i="1" smtClean="0">
+                              <a:latin typeface="Cambria Math" panose="02040503050406030204" pitchFamily="18" charset="0"/>
+                            </a:rPr>
+                          </m:ctrlPr>
+                        </m:sSubPr>
+                        <m:e>
+                          <m:r>
+                            <a:rPr lang="en-US" b="1" i="1" smtClean="0">
+                              <a:latin typeface="Cambria Math" panose="02040503050406030204" pitchFamily="18" charset="0"/>
+                            </a:rPr>
+                            <m:t>𝒕</m:t>
+                          </m:r>
+                        </m:e>
+                        <m:sub>
+                          <m:r>
+                            <a:rPr lang="en-US" b="1" i="1" smtClean="0">
+                              <a:latin typeface="Cambria Math" panose="02040503050406030204" pitchFamily="18" charset="0"/>
+                            </a:rPr>
+                            <m:t>𝟎</m:t>
+                          </m:r>
+                        </m:sub>
+                      </m:sSub>
+                    </m:oMath>
+                  </m:oMathPara>
+                </a14:m>
+                <a:endParaRPr lang="en-US" b="1" dirty="0"/>
+              </a:p>
+            </p:txBody>
+          </p:sp>
+        </mc:Choice>
+        <mc:Fallback>
+          <p:sp>
+            <p:nvSpPr>
+              <p:cNvPr id="98" name="TextBox 97">
+                <a:extLst>
+                  <a:ext uri="{FF2B5EF4-FFF2-40B4-BE49-F238E27FC236}">
+                    <a16:creationId xmlns:a16="http://schemas.microsoft.com/office/drawing/2014/main" id="{6F58E3F5-2535-2246-832B-D776CC7CE910}"/>
+                  </a:ext>
+                </a:extLst>
+              </p:cNvPr>
+              <p:cNvSpPr txBox="1">
+                <a:spLocks noRot="1" noChangeAspect="1" noMove="1" noResize="1" noEditPoints="1" noAdjustHandles="1" noChangeArrowheads="1" noChangeShapeType="1" noTextEdit="1"/>
+              </p:cNvSpPr>
+              <p:nvPr/>
+            </p:nvSpPr>
+            <p:spPr>
+              <a:xfrm>
+                <a:off x="8496228" y="1479984"/>
+                <a:ext cx="259623" cy="276999"/>
+              </a:xfrm>
+              <a:prstGeom prst="rect">
+                <a:avLst/>
+              </a:prstGeom>
+              <a:blipFill>
+                <a:blip r:embed="rId13"/>
+                <a:stretch>
+                  <a:fillRect l="-14286" r="-9524" b="-18182"/>
+                </a:stretch>
+              </a:blipFill>
+            </p:spPr>
+            <p:txBody>
+              <a:bodyPr/>
+              <a:lstStyle/>
+              <a:p>
+                <a:r>
+                  <a:rPr lang="en-US">
+                    <a:noFill/>
+                  </a:rPr>
+                  <a:t> </a:t>
+                </a:r>
+              </a:p>
+            </p:txBody>
+          </p:sp>
+        </mc:Fallback>
+      </mc:AlternateContent>
+      <p:grpSp>
+        <p:nvGrpSpPr>
+          <p:cNvPr id="99" name="Group 98">
+            <a:extLst>
+              <a:ext uri="{FF2B5EF4-FFF2-40B4-BE49-F238E27FC236}">
+                <a16:creationId xmlns:a16="http://schemas.microsoft.com/office/drawing/2014/main" id="{F7F7C92F-8231-C242-A941-FDA4C3527151}"/>
+              </a:ext>
+            </a:extLst>
+          </p:cNvPr>
+          <p:cNvGrpSpPr/>
+          <p:nvPr/>
+        </p:nvGrpSpPr>
+        <p:grpSpPr>
+          <a:xfrm>
+            <a:off x="5898580" y="1639749"/>
+            <a:ext cx="1617424" cy="2084475"/>
+            <a:chOff x="3726695" y="581763"/>
+            <a:chExt cx="1617424" cy="2084475"/>
+          </a:xfrm>
+        </p:grpSpPr>
+        <p:cxnSp>
+          <p:nvCxnSpPr>
+            <p:cNvPr id="107" name="Straight Connector 106">
+              <a:extLst>
+                <a:ext uri="{FF2B5EF4-FFF2-40B4-BE49-F238E27FC236}">
+                  <a16:creationId xmlns:a16="http://schemas.microsoft.com/office/drawing/2014/main" id="{C26C70A0-5E26-574B-8593-D7C78F0D197A}"/>
+                </a:ext>
+              </a:extLst>
+            </p:cNvPr>
+            <p:cNvCxnSpPr>
+              <a:cxnSpLocks/>
+            </p:cNvCxnSpPr>
+            <p:nvPr/>
+          </p:nvCxnSpPr>
+          <p:spPr>
+            <a:xfrm flipH="1">
+              <a:off x="3726695" y="581763"/>
+              <a:ext cx="1617423" cy="2076377"/>
+            </a:xfrm>
+            <a:prstGeom prst="line">
+              <a:avLst/>
+            </a:prstGeom>
+            <a:ln w="28575"/>
+          </p:spPr>
+          <p:style>
+            <a:lnRef idx="1">
+              <a:schemeClr val="accent1"/>
+            </a:lnRef>
+            <a:fillRef idx="0">
+              <a:schemeClr val="accent1"/>
+            </a:fillRef>
+            <a:effectRef idx="0">
+              <a:schemeClr val="accent1"/>
+            </a:effectRef>
+            <a:fontRef idx="minor">
+              <a:schemeClr val="tx1"/>
+            </a:fontRef>
+          </p:style>
+        </p:cxnSp>
+        <p:cxnSp>
+          <p:nvCxnSpPr>
+            <p:cNvPr id="108" name="Straight Connector 107">
+              <a:extLst>
+                <a:ext uri="{FF2B5EF4-FFF2-40B4-BE49-F238E27FC236}">
+                  <a16:creationId xmlns:a16="http://schemas.microsoft.com/office/drawing/2014/main" id="{41520CF3-D0F4-1444-B60F-D1615A3F67D5}"/>
+                </a:ext>
+              </a:extLst>
+            </p:cNvPr>
+            <p:cNvCxnSpPr>
+              <a:cxnSpLocks/>
+            </p:cNvCxnSpPr>
+            <p:nvPr/>
+          </p:nvCxnSpPr>
+          <p:spPr>
+            <a:xfrm flipH="1">
+              <a:off x="4388835" y="581763"/>
+              <a:ext cx="955284" cy="2084474"/>
+            </a:xfrm>
+            <a:prstGeom prst="line">
+              <a:avLst/>
+            </a:prstGeom>
+            <a:ln w="28575"/>
+          </p:spPr>
+          <p:style>
+            <a:lnRef idx="1">
+              <a:schemeClr val="accent1"/>
+            </a:lnRef>
+            <a:fillRef idx="0">
+              <a:schemeClr val="accent1"/>
+            </a:fillRef>
+            <a:effectRef idx="0">
+              <a:schemeClr val="accent1"/>
+            </a:effectRef>
+            <a:fontRef idx="minor">
+              <a:schemeClr val="tx1"/>
+            </a:fontRef>
+          </p:style>
+        </p:cxnSp>
+        <p:cxnSp>
+          <p:nvCxnSpPr>
+            <p:cNvPr id="111" name="Straight Connector 110">
+              <a:extLst>
+                <a:ext uri="{FF2B5EF4-FFF2-40B4-BE49-F238E27FC236}">
+                  <a16:creationId xmlns:a16="http://schemas.microsoft.com/office/drawing/2014/main" id="{16FA93A4-F8FB-1844-8B74-879FAC2E22EA}"/>
+                </a:ext>
+              </a:extLst>
+            </p:cNvPr>
+            <p:cNvCxnSpPr>
+              <a:cxnSpLocks/>
+            </p:cNvCxnSpPr>
+            <p:nvPr/>
+          </p:nvCxnSpPr>
+          <p:spPr>
+            <a:xfrm flipH="1">
+              <a:off x="3726695" y="2666238"/>
+              <a:ext cx="662140" cy="0"/>
+            </a:xfrm>
+            <a:prstGeom prst="line">
+              <a:avLst/>
+            </a:prstGeom>
+            <a:ln w="28575"/>
+          </p:spPr>
+          <p:style>
+            <a:lnRef idx="1">
+              <a:schemeClr val="accent1"/>
+            </a:lnRef>
+            <a:fillRef idx="0">
+              <a:schemeClr val="accent1"/>
+            </a:fillRef>
+            <a:effectRef idx="0">
+              <a:schemeClr val="accent1"/>
+            </a:effectRef>
+            <a:fontRef idx="minor">
+              <a:schemeClr val="tx1"/>
+            </a:fontRef>
+          </p:style>
+        </p:cxnSp>
+      </p:grpSp>
+      <p:grpSp>
+        <p:nvGrpSpPr>
+          <p:cNvPr id="112" name="Group 111">
+            <a:extLst>
+              <a:ext uri="{FF2B5EF4-FFF2-40B4-BE49-F238E27FC236}">
+                <a16:creationId xmlns:a16="http://schemas.microsoft.com/office/drawing/2014/main" id="{7A3F0A01-6CE7-8E45-BB7E-FF20F8832F50}"/>
+              </a:ext>
+            </a:extLst>
+          </p:cNvPr>
+          <p:cNvGrpSpPr/>
+          <p:nvPr/>
+        </p:nvGrpSpPr>
+        <p:grpSpPr>
+          <a:xfrm flipH="1">
+            <a:off x="7260807" y="2186866"/>
+            <a:ext cx="1192894" cy="1537357"/>
+            <a:chOff x="3726695" y="581763"/>
+            <a:chExt cx="1617424" cy="2084475"/>
+          </a:xfrm>
+        </p:grpSpPr>
+        <p:cxnSp>
+          <p:nvCxnSpPr>
+            <p:cNvPr id="113" name="Straight Connector 112">
+              <a:extLst>
+                <a:ext uri="{FF2B5EF4-FFF2-40B4-BE49-F238E27FC236}">
+                  <a16:creationId xmlns:a16="http://schemas.microsoft.com/office/drawing/2014/main" id="{09DBCF1C-6A91-0A4E-848D-42EB1D448554}"/>
+                </a:ext>
+              </a:extLst>
+            </p:cNvPr>
+            <p:cNvCxnSpPr>
+              <a:cxnSpLocks/>
+            </p:cNvCxnSpPr>
+            <p:nvPr/>
+          </p:nvCxnSpPr>
+          <p:spPr>
+            <a:xfrm flipH="1">
+              <a:off x="3726695" y="581763"/>
+              <a:ext cx="1617423" cy="2076377"/>
+            </a:xfrm>
+            <a:prstGeom prst="line">
+              <a:avLst/>
+            </a:prstGeom>
+            <a:ln w="28575">
+              <a:solidFill>
+                <a:schemeClr val="accent2"/>
+              </a:solidFill>
+            </a:ln>
+          </p:spPr>
+          <p:style>
+            <a:lnRef idx="1">
+              <a:schemeClr val="accent1"/>
+            </a:lnRef>
+            <a:fillRef idx="0">
+              <a:schemeClr val="accent1"/>
+            </a:fillRef>
+            <a:effectRef idx="0">
+              <a:schemeClr val="accent1"/>
+            </a:effectRef>
+            <a:fontRef idx="minor">
+              <a:schemeClr val="tx1"/>
+            </a:fontRef>
+          </p:style>
+        </p:cxnSp>
+        <p:cxnSp>
+          <p:nvCxnSpPr>
+            <p:cNvPr id="122" name="Straight Connector 121">
+              <a:extLst>
+                <a:ext uri="{FF2B5EF4-FFF2-40B4-BE49-F238E27FC236}">
+                  <a16:creationId xmlns:a16="http://schemas.microsoft.com/office/drawing/2014/main" id="{D1BF8975-26CB-E345-8770-A26480465478}"/>
+                </a:ext>
+              </a:extLst>
+            </p:cNvPr>
+            <p:cNvCxnSpPr>
+              <a:cxnSpLocks/>
+            </p:cNvCxnSpPr>
+            <p:nvPr/>
+          </p:nvCxnSpPr>
+          <p:spPr>
+            <a:xfrm flipH="1">
+              <a:off x="4388835" y="581763"/>
+              <a:ext cx="955284" cy="2084474"/>
+            </a:xfrm>
+            <a:prstGeom prst="line">
+              <a:avLst/>
+            </a:prstGeom>
+            <a:ln w="28575">
+              <a:solidFill>
+                <a:schemeClr val="accent2"/>
+              </a:solidFill>
+            </a:ln>
+          </p:spPr>
+          <p:style>
+            <a:lnRef idx="1">
+              <a:schemeClr val="accent1"/>
+            </a:lnRef>
+            <a:fillRef idx="0">
+              <a:schemeClr val="accent1"/>
+            </a:fillRef>
+            <a:effectRef idx="0">
+              <a:schemeClr val="accent1"/>
+            </a:effectRef>
+            <a:fontRef idx="minor">
+              <a:schemeClr val="tx1"/>
+            </a:fontRef>
+          </p:style>
+        </p:cxnSp>
+        <p:cxnSp>
+          <p:nvCxnSpPr>
+            <p:cNvPr id="124" name="Straight Connector 123">
+              <a:extLst>
+                <a:ext uri="{FF2B5EF4-FFF2-40B4-BE49-F238E27FC236}">
+                  <a16:creationId xmlns:a16="http://schemas.microsoft.com/office/drawing/2014/main" id="{7883206A-17BE-7A4F-8C94-167EEC9476F1}"/>
+                </a:ext>
+              </a:extLst>
+            </p:cNvPr>
+            <p:cNvCxnSpPr>
+              <a:cxnSpLocks/>
+            </p:cNvCxnSpPr>
+            <p:nvPr/>
+          </p:nvCxnSpPr>
+          <p:spPr>
+            <a:xfrm flipH="1">
+              <a:off x="3726695" y="2666238"/>
+              <a:ext cx="662140" cy="0"/>
+            </a:xfrm>
+            <a:prstGeom prst="line">
+              <a:avLst/>
+            </a:prstGeom>
+            <a:ln w="28575">
+              <a:solidFill>
+                <a:schemeClr val="accent2"/>
+              </a:solidFill>
+            </a:ln>
+          </p:spPr>
+          <p:style>
+            <a:lnRef idx="1">
+              <a:schemeClr val="accent1"/>
+            </a:lnRef>
+            <a:fillRef idx="0">
+              <a:schemeClr val="accent1"/>
+            </a:fillRef>
+            <a:effectRef idx="0">
+              <a:schemeClr val="accent1"/>
+            </a:effectRef>
+            <a:fontRef idx="minor">
+              <a:schemeClr val="tx1"/>
+            </a:fontRef>
+          </p:style>
+        </p:cxnSp>
+      </p:grpSp>
+      <p:grpSp>
+        <p:nvGrpSpPr>
+          <p:cNvPr id="128" name="Group 127">
+            <a:extLst>
+              <a:ext uri="{FF2B5EF4-FFF2-40B4-BE49-F238E27FC236}">
+                <a16:creationId xmlns:a16="http://schemas.microsoft.com/office/drawing/2014/main" id="{34590347-4091-554D-A9D7-5B2CB99FED64}"/>
+              </a:ext>
+            </a:extLst>
+          </p:cNvPr>
+          <p:cNvGrpSpPr/>
+          <p:nvPr/>
+        </p:nvGrpSpPr>
+        <p:grpSpPr>
+          <a:xfrm flipH="1">
+            <a:off x="6936723" y="2923235"/>
+            <a:ext cx="619549" cy="800987"/>
+            <a:chOff x="3726695" y="581763"/>
+            <a:chExt cx="1617424" cy="2091096"/>
+          </a:xfrm>
+        </p:grpSpPr>
+        <p:cxnSp>
+          <p:nvCxnSpPr>
+            <p:cNvPr id="135" name="Straight Connector 134">
+              <a:extLst>
+                <a:ext uri="{FF2B5EF4-FFF2-40B4-BE49-F238E27FC236}">
+                  <a16:creationId xmlns:a16="http://schemas.microsoft.com/office/drawing/2014/main" id="{CB86B767-7CB9-854D-ACB1-A1F80A8B184D}"/>
+                </a:ext>
+              </a:extLst>
+            </p:cNvPr>
+            <p:cNvCxnSpPr>
+              <a:cxnSpLocks/>
+            </p:cNvCxnSpPr>
+            <p:nvPr/>
+          </p:nvCxnSpPr>
+          <p:spPr>
+            <a:xfrm flipH="1">
+              <a:off x="3726695" y="581763"/>
+              <a:ext cx="1617423" cy="2076377"/>
+            </a:xfrm>
+            <a:prstGeom prst="line">
+              <a:avLst/>
+            </a:prstGeom>
+            <a:ln w="28575">
+              <a:solidFill>
+                <a:schemeClr val="accent6"/>
+              </a:solidFill>
+            </a:ln>
+          </p:spPr>
+          <p:style>
+            <a:lnRef idx="1">
+              <a:schemeClr val="accent1"/>
+            </a:lnRef>
+            <a:fillRef idx="0">
+              <a:schemeClr val="accent1"/>
+            </a:fillRef>
+            <a:effectRef idx="0">
+              <a:schemeClr val="accent1"/>
+            </a:effectRef>
+            <a:fontRef idx="minor">
+              <a:schemeClr val="tx1"/>
+            </a:fontRef>
+          </p:style>
+        </p:cxnSp>
+        <p:cxnSp>
+          <p:nvCxnSpPr>
+            <p:cNvPr id="137" name="Straight Connector 136">
+              <a:extLst>
+                <a:ext uri="{FF2B5EF4-FFF2-40B4-BE49-F238E27FC236}">
+                  <a16:creationId xmlns:a16="http://schemas.microsoft.com/office/drawing/2014/main" id="{3ED38718-2A4D-4A4B-9E01-4E1EC799616E}"/>
+                </a:ext>
+              </a:extLst>
+            </p:cNvPr>
+            <p:cNvCxnSpPr>
+              <a:cxnSpLocks/>
+            </p:cNvCxnSpPr>
+            <p:nvPr/>
+          </p:nvCxnSpPr>
+          <p:spPr>
+            <a:xfrm flipH="1">
+              <a:off x="4872558" y="581763"/>
+              <a:ext cx="471561" cy="2091096"/>
+            </a:xfrm>
+            <a:prstGeom prst="line">
+              <a:avLst/>
+            </a:prstGeom>
+            <a:ln w="28575">
+              <a:solidFill>
+                <a:schemeClr val="accent6"/>
+              </a:solidFill>
+            </a:ln>
+          </p:spPr>
+          <p:style>
+            <a:lnRef idx="1">
+              <a:schemeClr val="accent1"/>
+            </a:lnRef>
+            <a:fillRef idx="0">
+              <a:schemeClr val="accent1"/>
+            </a:fillRef>
+            <a:effectRef idx="0">
+              <a:schemeClr val="accent1"/>
+            </a:effectRef>
+            <a:fontRef idx="minor">
+              <a:schemeClr val="tx1"/>
+            </a:fontRef>
+          </p:style>
+        </p:cxnSp>
+        <p:cxnSp>
+          <p:nvCxnSpPr>
+            <p:cNvPr id="139" name="Straight Connector 138">
+              <a:extLst>
+                <a:ext uri="{FF2B5EF4-FFF2-40B4-BE49-F238E27FC236}">
+                  <a16:creationId xmlns:a16="http://schemas.microsoft.com/office/drawing/2014/main" id="{E5C6BDBA-3790-BB4B-844C-83B3135C4AAC}"/>
+                </a:ext>
+              </a:extLst>
+            </p:cNvPr>
+            <p:cNvCxnSpPr>
+              <a:cxnSpLocks/>
+            </p:cNvCxnSpPr>
+            <p:nvPr/>
+          </p:nvCxnSpPr>
+          <p:spPr>
+            <a:xfrm flipH="1" flipV="1">
+              <a:off x="3726695" y="2666238"/>
+              <a:ext cx="1145863" cy="6621"/>
+            </a:xfrm>
+            <a:prstGeom prst="line">
+              <a:avLst/>
+            </a:prstGeom>
+            <a:ln w="28575">
+              <a:solidFill>
+                <a:schemeClr val="accent6"/>
+              </a:solidFill>
+            </a:ln>
+          </p:spPr>
+          <p:style>
+            <a:lnRef idx="1">
+              <a:schemeClr val="accent1"/>
+            </a:lnRef>
+            <a:fillRef idx="0">
+              <a:schemeClr val="accent1"/>
+            </a:fillRef>
+            <a:effectRef idx="0">
+              <a:schemeClr val="accent1"/>
+            </a:effectRef>
+            <a:fontRef idx="minor">
+              <a:schemeClr val="tx1"/>
+            </a:fontRef>
+          </p:style>
+        </p:cxnSp>
+      </p:grpSp>
+      <p:cxnSp>
+        <p:nvCxnSpPr>
+          <p:cNvPr id="141" name="Straight Connector 140">
+            <a:extLst>
+              <a:ext uri="{FF2B5EF4-FFF2-40B4-BE49-F238E27FC236}">
+                <a16:creationId xmlns:a16="http://schemas.microsoft.com/office/drawing/2014/main" id="{C657DF11-59D1-9C44-8822-1F9D2A2DACAA}"/>
+              </a:ext>
+            </a:extLst>
+          </p:cNvPr>
+          <p:cNvCxnSpPr>
+            <a:cxnSpLocks/>
+          </p:cNvCxnSpPr>
+          <p:nvPr/>
+        </p:nvCxnSpPr>
+        <p:spPr>
+          <a:xfrm flipH="1">
+            <a:off x="6760104" y="1639749"/>
+            <a:ext cx="743543" cy="1140711"/>
+          </a:xfrm>
+          <a:prstGeom prst="line">
+            <a:avLst/>
+          </a:prstGeom>
+          <a:ln w="38100">
+            <a:solidFill>
+              <a:srgbClr val="FF0000"/>
+            </a:solidFill>
+          </a:ln>
+        </p:spPr>
+        <p:style>
+          <a:lnRef idx="1">
+            <a:schemeClr val="accent1"/>
+          </a:lnRef>
+          <a:fillRef idx="0">
+            <a:schemeClr val="accent1"/>
+          </a:fillRef>
+          <a:effectRef idx="0">
+            <a:schemeClr val="accent1"/>
+          </a:effectRef>
+          <a:fontRef idx="minor">
+            <a:schemeClr val="tx1"/>
+          </a:fontRef>
+        </p:style>
+      </p:cxnSp>
+      <p:cxnSp>
+        <p:nvCxnSpPr>
+          <p:cNvPr id="142" name="Straight Connector 141">
+            <a:extLst>
+              <a:ext uri="{FF2B5EF4-FFF2-40B4-BE49-F238E27FC236}">
+                <a16:creationId xmlns:a16="http://schemas.microsoft.com/office/drawing/2014/main" id="{15D3708A-F33A-1747-A1C1-71216B3BFC52}"/>
+              </a:ext>
+            </a:extLst>
+          </p:cNvPr>
+          <p:cNvCxnSpPr>
+            <a:cxnSpLocks/>
+          </p:cNvCxnSpPr>
+          <p:nvPr/>
+        </p:nvCxnSpPr>
+        <p:spPr>
+          <a:xfrm>
+            <a:off x="7202103" y="2116534"/>
+            <a:ext cx="763252" cy="1145047"/>
+          </a:xfrm>
+          <a:prstGeom prst="line">
+            <a:avLst/>
+          </a:prstGeom>
+          <a:ln w="38100">
+            <a:solidFill>
+              <a:srgbClr val="FF0000"/>
+            </a:solidFill>
+          </a:ln>
+        </p:spPr>
+        <p:style>
+          <a:lnRef idx="1">
+            <a:schemeClr val="accent1"/>
+          </a:lnRef>
+          <a:fillRef idx="0">
+            <a:schemeClr val="accent1"/>
+          </a:fillRef>
+          <a:effectRef idx="0">
+            <a:schemeClr val="accent1"/>
+          </a:effectRef>
+          <a:fontRef idx="minor">
+            <a:schemeClr val="tx1"/>
+          </a:fontRef>
+        </p:style>
+      </p:cxnSp>
+      <p:cxnSp>
+        <p:nvCxnSpPr>
+          <p:cNvPr id="143" name="Straight Connector 142">
+            <a:extLst>
+              <a:ext uri="{FF2B5EF4-FFF2-40B4-BE49-F238E27FC236}">
+                <a16:creationId xmlns:a16="http://schemas.microsoft.com/office/drawing/2014/main" id="{FB50E6C2-7332-9E4A-A8A3-C1B1A72D6251}"/>
+              </a:ext>
+            </a:extLst>
+          </p:cNvPr>
+          <p:cNvCxnSpPr>
+            <a:cxnSpLocks/>
+          </p:cNvCxnSpPr>
+          <p:nvPr/>
+        </p:nvCxnSpPr>
+        <p:spPr>
+          <a:xfrm>
+            <a:off x="6928578" y="2923234"/>
+            <a:ext cx="321008" cy="696642"/>
+          </a:xfrm>
+          <a:prstGeom prst="line">
+            <a:avLst/>
+          </a:prstGeom>
+          <a:ln w="38100">
+            <a:solidFill>
+              <a:srgbClr val="FF0000"/>
+            </a:solidFill>
+          </a:ln>
+        </p:spPr>
+        <p:style>
+          <a:lnRef idx="1">
+            <a:schemeClr val="accent1"/>
+          </a:lnRef>
+          <a:fillRef idx="0">
+            <a:schemeClr val="accent1"/>
+          </a:fillRef>
+          <a:effectRef idx="0">
+            <a:schemeClr val="accent1"/>
+          </a:effectRef>
+          <a:fontRef idx="minor">
+            <a:schemeClr val="tx1"/>
+          </a:fontRef>
+        </p:style>
+      </p:cxnSp>
+      <p:sp>
+        <p:nvSpPr>
+          <p:cNvPr id="144" name="Arc 143">
+            <a:extLst>
+              <a:ext uri="{FF2B5EF4-FFF2-40B4-BE49-F238E27FC236}">
+                <a16:creationId xmlns:a16="http://schemas.microsoft.com/office/drawing/2014/main" id="{ABCB2BC2-FE74-A640-A615-82DF7FF30E77}"/>
+              </a:ext>
+            </a:extLst>
+          </p:cNvPr>
+          <p:cNvSpPr/>
+          <p:nvPr/>
+        </p:nvSpPr>
+        <p:spPr>
+          <a:xfrm rot="1531624" flipH="1">
+            <a:off x="7072291" y="1888177"/>
+            <a:ext cx="438919" cy="1293144"/>
+          </a:xfrm>
+          <a:prstGeom prst="arc">
+            <a:avLst>
+              <a:gd name="adj1" fmla="val 18109224"/>
+              <a:gd name="adj2" fmla="val 4587554"/>
+            </a:avLst>
+          </a:prstGeom>
+          <a:ln w="38100">
+            <a:solidFill>
+              <a:srgbClr val="FF0000"/>
+            </a:solidFill>
+          </a:ln>
+        </p:spPr>
+        <p:style>
+          <a:lnRef idx="1">
+            <a:schemeClr val="accent1"/>
+          </a:lnRef>
+          <a:fillRef idx="0">
+            <a:schemeClr val="accent1"/>
+          </a:fillRef>
+          <a:effectRef idx="0">
+            <a:schemeClr val="accent1"/>
+          </a:effectRef>
+          <a:fontRef idx="minor">
+            <a:schemeClr val="tx1"/>
+          </a:fontRef>
+        </p:style>
+        <p:txBody>
+          <a:bodyPr rtlCol="0" anchor="ctr"/>
+          <a:lstStyle/>
+          <a:p>
+            <a:pPr algn="ctr"/>
+            <a:endParaRPr lang="en-US"/>
+          </a:p>
+        </p:txBody>
+      </p:sp>
+      <mc:AlternateContent xmlns:mc="http://schemas.openxmlformats.org/markup-compatibility/2006">
+        <mc:Choice xmlns:a14="http://schemas.microsoft.com/office/drawing/2010/main" Requires="a14">
+          <p:sp>
+            <p:nvSpPr>
+              <p:cNvPr id="145" name="TextBox 144">
+                <a:extLst>
+                  <a:ext uri="{FF2B5EF4-FFF2-40B4-BE49-F238E27FC236}">
+                    <a16:creationId xmlns:a16="http://schemas.microsoft.com/office/drawing/2014/main" id="{FD63FC29-A8B5-FD4A-B1C2-17761D25732A}"/>
+                  </a:ext>
+                </a:extLst>
+              </p:cNvPr>
+              <p:cNvSpPr txBox="1"/>
+              <p:nvPr/>
+            </p:nvSpPr>
+            <p:spPr>
+              <a:xfrm>
+                <a:off x="8496228" y="2043757"/>
+                <a:ext cx="259623" cy="276999"/>
+              </a:xfrm>
+              <a:prstGeom prst="rect">
+                <a:avLst/>
+              </a:prstGeom>
+              <a:noFill/>
+            </p:spPr>
+            <p:txBody>
+              <a:bodyPr wrap="none" lIns="0" tIns="0" rIns="0" bIns="0" rtlCol="0">
+                <a:spAutoFit/>
+              </a:bodyPr>
+              <a:lstStyle/>
+              <a:p>
+                <a:pPr/>
+                <a14:m>
+                  <m:oMathPara xmlns:m="http://schemas.openxmlformats.org/officeDocument/2006/math">
+                    <m:oMathParaPr>
+                      <m:jc m:val="centerGroup"/>
+                    </m:oMathParaPr>
+                    <m:oMath xmlns:m="http://schemas.openxmlformats.org/officeDocument/2006/math">
+                      <m:sSub>
+                        <m:sSubPr>
+                          <m:ctrlPr>
+                            <a:rPr lang="en-US" b="1" i="1" smtClean="0">
+                              <a:solidFill>
+                                <a:srgbClr val="FF0000"/>
+                              </a:solidFill>
+                              <a:latin typeface="Cambria Math" panose="02040503050406030204" pitchFamily="18" charset="0"/>
+                            </a:rPr>
+                          </m:ctrlPr>
+                        </m:sSubPr>
+                        <m:e>
+                          <m:r>
+                            <a:rPr lang="en-US" b="1" i="1" smtClean="0">
+                              <a:solidFill>
+                                <a:srgbClr val="FF0000"/>
+                              </a:solidFill>
+                              <a:latin typeface="Cambria Math" panose="02040503050406030204" pitchFamily="18" charset="0"/>
+                            </a:rPr>
+                            <m:t>𝒕</m:t>
+                          </m:r>
+                        </m:e>
+                        <m:sub>
+                          <m:r>
+                            <a:rPr lang="en-US" b="1" i="1" smtClean="0">
+                              <a:solidFill>
+                                <a:srgbClr val="FF0000"/>
+                              </a:solidFill>
+                              <a:latin typeface="Cambria Math" panose="02040503050406030204" pitchFamily="18" charset="0"/>
+                            </a:rPr>
+                            <m:t>𝟏</m:t>
+                          </m:r>
+                        </m:sub>
+                      </m:sSub>
+                    </m:oMath>
+                  </m:oMathPara>
+                </a14:m>
+                <a:endParaRPr lang="en-US" b="1" dirty="0">
+                  <a:solidFill>
+                    <a:srgbClr val="FF0000"/>
+                  </a:solidFill>
+                </a:endParaRPr>
+              </a:p>
+            </p:txBody>
+          </p:sp>
+        </mc:Choice>
+        <mc:Fallback>
+          <p:sp>
+            <p:nvSpPr>
+              <p:cNvPr id="145" name="TextBox 144">
+                <a:extLst>
+                  <a:ext uri="{FF2B5EF4-FFF2-40B4-BE49-F238E27FC236}">
+                    <a16:creationId xmlns:a16="http://schemas.microsoft.com/office/drawing/2014/main" id="{FD63FC29-A8B5-FD4A-B1C2-17761D25732A}"/>
+                  </a:ext>
+                </a:extLst>
+              </p:cNvPr>
+              <p:cNvSpPr txBox="1">
+                <a:spLocks noRot="1" noChangeAspect="1" noMove="1" noResize="1" noEditPoints="1" noAdjustHandles="1" noChangeArrowheads="1" noChangeShapeType="1" noTextEdit="1"/>
+              </p:cNvSpPr>
+              <p:nvPr/>
+            </p:nvSpPr>
+            <p:spPr>
+              <a:xfrm>
+                <a:off x="8496228" y="2043757"/>
+                <a:ext cx="259623" cy="276999"/>
+              </a:xfrm>
+              <a:prstGeom prst="rect">
+                <a:avLst/>
+              </a:prstGeom>
+              <a:blipFill>
+                <a:blip r:embed="rId14"/>
+                <a:stretch>
+                  <a:fillRect l="-14286" r="-9524" b="-13043"/>
+                </a:stretch>
+              </a:blipFill>
+            </p:spPr>
+            <p:txBody>
+              <a:bodyPr/>
+              <a:lstStyle/>
+              <a:p>
+                <a:r>
+                  <a:rPr lang="en-US">
+                    <a:noFill/>
+                  </a:rPr>
+                  <a:t> </a:t>
+                </a:r>
+              </a:p>
+            </p:txBody>
+          </p:sp>
+        </mc:Fallback>
+      </mc:AlternateContent>
+      <mc:AlternateContent xmlns:mc="http://schemas.openxmlformats.org/markup-compatibility/2006">
+        <mc:Choice xmlns:a14="http://schemas.microsoft.com/office/drawing/2010/main" Requires="a14">
+          <p:sp>
+            <p:nvSpPr>
+              <p:cNvPr id="146" name="TextBox 145">
+                <a:extLst>
+                  <a:ext uri="{FF2B5EF4-FFF2-40B4-BE49-F238E27FC236}">
+                    <a16:creationId xmlns:a16="http://schemas.microsoft.com/office/drawing/2014/main" id="{E2C77BA3-0724-5A48-AD21-813F6F987953}"/>
+                  </a:ext>
+                </a:extLst>
+              </p:cNvPr>
+              <p:cNvSpPr txBox="1"/>
+              <p:nvPr/>
+            </p:nvSpPr>
+            <p:spPr>
+              <a:xfrm>
+                <a:off x="8496228" y="2596897"/>
+                <a:ext cx="270843" cy="276999"/>
+              </a:xfrm>
+              <a:prstGeom prst="rect">
+                <a:avLst/>
+              </a:prstGeom>
+              <a:noFill/>
+            </p:spPr>
+            <p:txBody>
+              <a:bodyPr wrap="none" lIns="0" tIns="0" rIns="0" bIns="0" rtlCol="0">
+                <a:spAutoFit/>
+              </a:bodyPr>
+              <a:lstStyle/>
+              <a:p>
+                <a:pPr/>
+                <a14:m>
+                  <m:oMathPara xmlns:m="http://schemas.openxmlformats.org/officeDocument/2006/math">
+                    <m:oMathParaPr>
+                      <m:jc m:val="centerGroup"/>
+                    </m:oMathParaPr>
+                    <m:oMath xmlns:m="http://schemas.openxmlformats.org/officeDocument/2006/math">
+                      <m:sSub>
+                        <m:sSubPr>
+                          <m:ctrlPr>
+                            <a:rPr lang="en-US" b="1" i="1" smtClean="0">
+                              <a:solidFill>
+                                <a:schemeClr val="accent1"/>
+                              </a:solidFill>
+                              <a:latin typeface="Cambria Math" panose="02040503050406030204" pitchFamily="18" charset="0"/>
+                            </a:rPr>
+                          </m:ctrlPr>
+                        </m:sSubPr>
+                        <m:e>
+                          <m:r>
+                            <a:rPr lang="en-US" b="1" i="1" smtClean="0">
+                              <a:solidFill>
+                                <a:schemeClr val="accent1"/>
+                              </a:solidFill>
+                              <a:latin typeface="Cambria Math" panose="02040503050406030204" pitchFamily="18" charset="0"/>
+                            </a:rPr>
+                            <m:t>𝒕</m:t>
+                          </m:r>
+                        </m:e>
+                        <m:sub>
+                          <m:r>
+                            <a:rPr lang="en-US" b="1" i="1" smtClean="0">
+                              <a:solidFill>
+                                <a:schemeClr val="accent1"/>
+                              </a:solidFill>
+                              <a:latin typeface="Cambria Math" panose="02040503050406030204" pitchFamily="18" charset="0"/>
+                            </a:rPr>
+                            <m:t>𝑨</m:t>
+                          </m:r>
+                        </m:sub>
+                      </m:sSub>
+                    </m:oMath>
+                  </m:oMathPara>
+                </a14:m>
+                <a:endParaRPr lang="en-US" b="1" dirty="0">
+                  <a:solidFill>
+                    <a:schemeClr val="accent1"/>
+                  </a:solidFill>
+                </a:endParaRPr>
+              </a:p>
+            </p:txBody>
+          </p:sp>
+        </mc:Choice>
+        <mc:Fallback>
+          <p:sp>
+            <p:nvSpPr>
+              <p:cNvPr id="146" name="TextBox 145">
+                <a:extLst>
+                  <a:ext uri="{FF2B5EF4-FFF2-40B4-BE49-F238E27FC236}">
+                    <a16:creationId xmlns:a16="http://schemas.microsoft.com/office/drawing/2014/main" id="{E2C77BA3-0724-5A48-AD21-813F6F987953}"/>
+                  </a:ext>
+                </a:extLst>
+              </p:cNvPr>
+              <p:cNvSpPr txBox="1">
+                <a:spLocks noRot="1" noChangeAspect="1" noMove="1" noResize="1" noEditPoints="1" noAdjustHandles="1" noChangeArrowheads="1" noChangeShapeType="1" noTextEdit="1"/>
+              </p:cNvSpPr>
+              <p:nvPr/>
+            </p:nvSpPr>
+            <p:spPr>
+              <a:xfrm>
+                <a:off x="8496228" y="2596897"/>
+                <a:ext cx="270843" cy="276999"/>
+              </a:xfrm>
+              <a:prstGeom prst="rect">
+                <a:avLst/>
+              </a:prstGeom>
+              <a:blipFill>
+                <a:blip r:embed="rId15"/>
+                <a:stretch>
+                  <a:fillRect l="-13636" r="-4545" b="-13636"/>
+                </a:stretch>
+              </a:blipFill>
+            </p:spPr>
+            <p:txBody>
+              <a:bodyPr/>
+              <a:lstStyle/>
+              <a:p>
+                <a:r>
+                  <a:rPr lang="en-US">
+                    <a:noFill/>
+                  </a:rPr>
+                  <a:t> </a:t>
+                </a:r>
+              </a:p>
+            </p:txBody>
+          </p:sp>
+        </mc:Fallback>
+      </mc:AlternateContent>
+      <mc:AlternateContent xmlns:mc="http://schemas.openxmlformats.org/markup-compatibility/2006">
+        <mc:Choice xmlns:a14="http://schemas.microsoft.com/office/drawing/2010/main" Requires="a14">
+          <p:sp>
+            <p:nvSpPr>
+              <p:cNvPr id="147" name="TextBox 146">
+                <a:extLst>
+                  <a:ext uri="{FF2B5EF4-FFF2-40B4-BE49-F238E27FC236}">
+                    <a16:creationId xmlns:a16="http://schemas.microsoft.com/office/drawing/2014/main" id="{6A7B3931-D0CA-C748-8607-D239D4448F9C}"/>
+                  </a:ext>
+                </a:extLst>
+              </p:cNvPr>
+              <p:cNvSpPr txBox="1"/>
+              <p:nvPr/>
+            </p:nvSpPr>
+            <p:spPr>
+              <a:xfrm>
+                <a:off x="8496228" y="2801142"/>
+                <a:ext cx="259622" cy="276999"/>
+              </a:xfrm>
+              <a:prstGeom prst="rect">
+                <a:avLst/>
+              </a:prstGeom>
+              <a:noFill/>
+            </p:spPr>
+            <p:txBody>
+              <a:bodyPr wrap="none" lIns="0" tIns="0" rIns="0" bIns="0" rtlCol="0">
+                <a:spAutoFit/>
+              </a:bodyPr>
+              <a:lstStyle/>
+              <a:p>
+                <a:pPr/>
+                <a14:m>
+                  <m:oMathPara xmlns:m="http://schemas.openxmlformats.org/officeDocument/2006/math">
+                    <m:oMathParaPr>
+                      <m:jc m:val="centerGroup"/>
+                    </m:oMathParaPr>
+                    <m:oMath xmlns:m="http://schemas.openxmlformats.org/officeDocument/2006/math">
+                      <m:sSub>
+                        <m:sSubPr>
+                          <m:ctrlPr>
+                            <a:rPr lang="en-US" b="1" i="1" smtClean="0">
+                              <a:solidFill>
+                                <a:srgbClr val="FF0000"/>
+                              </a:solidFill>
+                              <a:latin typeface="Cambria Math" panose="02040503050406030204" pitchFamily="18" charset="0"/>
+                            </a:rPr>
+                          </m:ctrlPr>
+                        </m:sSubPr>
+                        <m:e>
+                          <m:r>
+                            <a:rPr lang="en-US" b="1" i="1" smtClean="0">
+                              <a:solidFill>
+                                <a:srgbClr val="FF0000"/>
+                              </a:solidFill>
+                              <a:latin typeface="Cambria Math" panose="02040503050406030204" pitchFamily="18" charset="0"/>
+                            </a:rPr>
+                            <m:t>𝒕</m:t>
+                          </m:r>
+                        </m:e>
+                        <m:sub>
+                          <m:r>
+                            <a:rPr lang="en-US" b="1" i="1" smtClean="0">
+                              <a:solidFill>
+                                <a:srgbClr val="FF0000"/>
+                              </a:solidFill>
+                              <a:latin typeface="Cambria Math" panose="02040503050406030204" pitchFamily="18" charset="0"/>
+                            </a:rPr>
+                            <m:t>𝟐</m:t>
+                          </m:r>
+                        </m:sub>
+                      </m:sSub>
+                    </m:oMath>
+                  </m:oMathPara>
+                </a14:m>
+                <a:endParaRPr lang="en-US" b="1" dirty="0">
+                  <a:solidFill>
+                    <a:schemeClr val="accent1"/>
+                  </a:solidFill>
+                </a:endParaRPr>
+              </a:p>
+            </p:txBody>
+          </p:sp>
+        </mc:Choice>
+        <mc:Fallback>
+          <p:sp>
+            <p:nvSpPr>
+              <p:cNvPr id="147" name="TextBox 146">
+                <a:extLst>
+                  <a:ext uri="{FF2B5EF4-FFF2-40B4-BE49-F238E27FC236}">
+                    <a16:creationId xmlns:a16="http://schemas.microsoft.com/office/drawing/2014/main" id="{6A7B3931-D0CA-C748-8607-D239D4448F9C}"/>
+                  </a:ext>
+                </a:extLst>
+              </p:cNvPr>
+              <p:cNvSpPr txBox="1">
+                <a:spLocks noRot="1" noChangeAspect="1" noMove="1" noResize="1" noEditPoints="1" noAdjustHandles="1" noChangeArrowheads="1" noChangeShapeType="1" noTextEdit="1"/>
+              </p:cNvSpPr>
+              <p:nvPr/>
+            </p:nvSpPr>
+            <p:spPr>
+              <a:xfrm>
+                <a:off x="8496228" y="2801142"/>
+                <a:ext cx="259622" cy="276999"/>
+              </a:xfrm>
+              <a:prstGeom prst="rect">
+                <a:avLst/>
+              </a:prstGeom>
+              <a:blipFill>
+                <a:blip r:embed="rId16"/>
+                <a:stretch>
+                  <a:fillRect l="-14286" r="-9524" b="-13636"/>
+                </a:stretch>
+              </a:blipFill>
+            </p:spPr>
+            <p:txBody>
+              <a:bodyPr/>
+              <a:lstStyle/>
+              <a:p>
+                <a:r>
+                  <a:rPr lang="en-US">
+                    <a:noFill/>
+                  </a:rPr>
+                  <a:t> </a:t>
+                </a:r>
+              </a:p>
+            </p:txBody>
+          </p:sp>
+        </mc:Fallback>
+      </mc:AlternateContent>
+      <mc:AlternateContent xmlns:mc="http://schemas.openxmlformats.org/markup-compatibility/2006">
+        <mc:Choice xmlns:a14="http://schemas.microsoft.com/office/drawing/2010/main" Requires="a14">
+          <p:sp>
+            <p:nvSpPr>
+              <p:cNvPr id="148" name="TextBox 147">
+                <a:extLst>
+                  <a:ext uri="{FF2B5EF4-FFF2-40B4-BE49-F238E27FC236}">
+                    <a16:creationId xmlns:a16="http://schemas.microsoft.com/office/drawing/2014/main" id="{944A525E-B96A-0E43-9BBE-464153F039F0}"/>
+                  </a:ext>
+                </a:extLst>
+              </p:cNvPr>
+              <p:cNvSpPr txBox="1"/>
+              <p:nvPr/>
+            </p:nvSpPr>
+            <p:spPr>
+              <a:xfrm>
+                <a:off x="8496879" y="3092780"/>
+                <a:ext cx="280461" cy="276999"/>
+              </a:xfrm>
+              <a:prstGeom prst="rect">
+                <a:avLst/>
+              </a:prstGeom>
+              <a:noFill/>
+            </p:spPr>
+            <p:txBody>
+              <a:bodyPr wrap="none" lIns="0" tIns="0" rIns="0" bIns="0" rtlCol="0">
+                <a:spAutoFit/>
+              </a:bodyPr>
+              <a:lstStyle/>
+              <a:p>
+                <a:pPr/>
+                <a14:m>
+                  <m:oMathPara xmlns:m="http://schemas.openxmlformats.org/officeDocument/2006/math">
+                    <m:oMathParaPr>
+                      <m:jc m:val="centerGroup"/>
+                    </m:oMathParaPr>
+                    <m:oMath xmlns:m="http://schemas.openxmlformats.org/officeDocument/2006/math">
+                      <m:sSub>
+                        <m:sSubPr>
+                          <m:ctrlPr>
+                            <a:rPr lang="en-US" b="1" i="1" smtClean="0">
+                              <a:solidFill>
+                                <a:schemeClr val="accent2"/>
+                              </a:solidFill>
+                              <a:latin typeface="Cambria Math" panose="02040503050406030204" pitchFamily="18" charset="0"/>
+                            </a:rPr>
+                          </m:ctrlPr>
+                        </m:sSubPr>
+                        <m:e>
+                          <m:r>
+                            <a:rPr lang="en-US" b="1" i="1" smtClean="0">
+                              <a:solidFill>
+                                <a:schemeClr val="accent2"/>
+                              </a:solidFill>
+                              <a:latin typeface="Cambria Math" panose="02040503050406030204" pitchFamily="18" charset="0"/>
+                            </a:rPr>
+                            <m:t>𝒕</m:t>
+                          </m:r>
+                        </m:e>
+                        <m:sub>
+                          <m:r>
+                            <a:rPr lang="en-US" b="1" i="1" smtClean="0">
+                              <a:solidFill>
+                                <a:schemeClr val="accent2"/>
+                              </a:solidFill>
+                              <a:latin typeface="Cambria Math" panose="02040503050406030204" pitchFamily="18" charset="0"/>
+                            </a:rPr>
+                            <m:t>𝑩</m:t>
+                          </m:r>
+                        </m:sub>
+                      </m:sSub>
+                    </m:oMath>
+                  </m:oMathPara>
+                </a14:m>
+                <a:endParaRPr lang="en-US" b="1" dirty="0">
+                  <a:solidFill>
+                    <a:schemeClr val="accent2"/>
+                  </a:solidFill>
+                </a:endParaRPr>
+              </a:p>
+            </p:txBody>
+          </p:sp>
+        </mc:Choice>
+        <mc:Fallback>
+          <p:sp>
+            <p:nvSpPr>
+              <p:cNvPr id="148" name="TextBox 147">
+                <a:extLst>
+                  <a:ext uri="{FF2B5EF4-FFF2-40B4-BE49-F238E27FC236}">
+                    <a16:creationId xmlns:a16="http://schemas.microsoft.com/office/drawing/2014/main" id="{944A525E-B96A-0E43-9BBE-464153F039F0}"/>
+                  </a:ext>
+                </a:extLst>
+              </p:cNvPr>
+              <p:cNvSpPr txBox="1">
+                <a:spLocks noRot="1" noChangeAspect="1" noMove="1" noResize="1" noEditPoints="1" noAdjustHandles="1" noChangeArrowheads="1" noChangeShapeType="1" noTextEdit="1"/>
+              </p:cNvSpPr>
+              <p:nvPr/>
+            </p:nvSpPr>
+            <p:spPr>
+              <a:xfrm>
+                <a:off x="8496879" y="3092780"/>
+                <a:ext cx="280461" cy="276999"/>
+              </a:xfrm>
+              <a:prstGeom prst="rect">
+                <a:avLst/>
+              </a:prstGeom>
+              <a:blipFill>
+                <a:blip r:embed="rId17"/>
+                <a:stretch>
+                  <a:fillRect l="-13043" r="-4348" b="-13636"/>
+                </a:stretch>
+              </a:blipFill>
+            </p:spPr>
+            <p:txBody>
+              <a:bodyPr/>
+              <a:lstStyle/>
+              <a:p>
+                <a:r>
+                  <a:rPr lang="en-US">
+                    <a:noFill/>
+                  </a:rPr>
+                  <a:t> </a:t>
+                </a:r>
+              </a:p>
+            </p:txBody>
+          </p:sp>
+        </mc:Fallback>
+      </mc:AlternateContent>
+      <mc:AlternateContent xmlns:mc="http://schemas.openxmlformats.org/markup-compatibility/2006">
+        <mc:Choice xmlns:a14="http://schemas.microsoft.com/office/drawing/2010/main" Requires="a14">
+          <p:sp>
+            <p:nvSpPr>
+              <p:cNvPr id="149" name="TextBox 148">
+                <a:extLst>
+                  <a:ext uri="{FF2B5EF4-FFF2-40B4-BE49-F238E27FC236}">
+                    <a16:creationId xmlns:a16="http://schemas.microsoft.com/office/drawing/2014/main" id="{3EA42E78-4105-644A-876F-DE7AA2F5E615}"/>
+                  </a:ext>
+                </a:extLst>
+              </p:cNvPr>
+              <p:cNvSpPr txBox="1"/>
+              <p:nvPr/>
+            </p:nvSpPr>
+            <p:spPr>
+              <a:xfrm>
+                <a:off x="8500368" y="3428898"/>
+                <a:ext cx="270843" cy="276999"/>
+              </a:xfrm>
+              <a:prstGeom prst="rect">
+                <a:avLst/>
+              </a:prstGeom>
+              <a:noFill/>
+            </p:spPr>
+            <p:txBody>
+              <a:bodyPr wrap="none" lIns="0" tIns="0" rIns="0" bIns="0" rtlCol="0">
+                <a:spAutoFit/>
+              </a:bodyPr>
+              <a:lstStyle/>
+              <a:p>
+                <a:pPr/>
+                <a14:m>
+                  <m:oMathPara xmlns:m="http://schemas.openxmlformats.org/officeDocument/2006/math">
+                    <m:oMathParaPr>
+                      <m:jc m:val="centerGroup"/>
+                    </m:oMathParaPr>
+                    <m:oMath xmlns:m="http://schemas.openxmlformats.org/officeDocument/2006/math">
+                      <m:sSub>
+                        <m:sSubPr>
+                          <m:ctrlPr>
+                            <a:rPr lang="en-US" b="1" i="1" smtClean="0">
+                              <a:solidFill>
+                                <a:schemeClr val="accent6"/>
+                              </a:solidFill>
+                              <a:latin typeface="Cambria Math" panose="02040503050406030204" pitchFamily="18" charset="0"/>
+                            </a:rPr>
+                          </m:ctrlPr>
+                        </m:sSubPr>
+                        <m:e>
+                          <m:r>
+                            <a:rPr lang="en-US" b="1" i="1" smtClean="0">
+                              <a:solidFill>
+                                <a:schemeClr val="accent6"/>
+                              </a:solidFill>
+                              <a:latin typeface="Cambria Math" panose="02040503050406030204" pitchFamily="18" charset="0"/>
+                            </a:rPr>
+                            <m:t>𝒕</m:t>
+                          </m:r>
+                        </m:e>
+                        <m:sub>
+                          <m:r>
+                            <a:rPr lang="en-US" b="1" i="1" smtClean="0">
+                              <a:solidFill>
+                                <a:schemeClr val="accent6"/>
+                              </a:solidFill>
+                              <a:latin typeface="Cambria Math" panose="02040503050406030204" pitchFamily="18" charset="0"/>
+                            </a:rPr>
+                            <m:t>𝑪</m:t>
+                          </m:r>
+                        </m:sub>
+                      </m:sSub>
+                    </m:oMath>
+                  </m:oMathPara>
+                </a14:m>
+                <a:endParaRPr lang="en-US" b="1" dirty="0">
+                  <a:solidFill>
+                    <a:schemeClr val="accent2"/>
+                  </a:solidFill>
+                </a:endParaRPr>
+              </a:p>
+            </p:txBody>
+          </p:sp>
+        </mc:Choice>
+        <mc:Fallback>
+          <p:sp>
+            <p:nvSpPr>
+              <p:cNvPr id="149" name="TextBox 148">
+                <a:extLst>
+                  <a:ext uri="{FF2B5EF4-FFF2-40B4-BE49-F238E27FC236}">
+                    <a16:creationId xmlns:a16="http://schemas.microsoft.com/office/drawing/2014/main" id="{3EA42E78-4105-644A-876F-DE7AA2F5E615}"/>
+                  </a:ext>
+                </a:extLst>
+              </p:cNvPr>
+              <p:cNvSpPr txBox="1">
+                <a:spLocks noRot="1" noChangeAspect="1" noMove="1" noResize="1" noEditPoints="1" noAdjustHandles="1" noChangeArrowheads="1" noChangeShapeType="1" noTextEdit="1"/>
+              </p:cNvSpPr>
+              <p:nvPr/>
+            </p:nvSpPr>
+            <p:spPr>
+              <a:xfrm>
+                <a:off x="8500368" y="3428898"/>
+                <a:ext cx="270843" cy="276999"/>
+              </a:xfrm>
+              <a:prstGeom prst="rect">
+                <a:avLst/>
+              </a:prstGeom>
+              <a:blipFill>
+                <a:blip r:embed="rId18"/>
+                <a:stretch>
+                  <a:fillRect l="-13043" r="-4348" b="-13043"/>
+                </a:stretch>
+              </a:blipFill>
+            </p:spPr>
+            <p:txBody>
+              <a:bodyPr/>
+              <a:lstStyle/>
+              <a:p>
+                <a:r>
+                  <a:rPr lang="en-US">
+                    <a:noFill/>
+                  </a:rPr>
+                  <a:t> </a:t>
+                </a:r>
+              </a:p>
+            </p:txBody>
+          </p:sp>
+        </mc:Fallback>
+      </mc:AlternateContent>
+      <p:sp>
+        <p:nvSpPr>
+          <p:cNvPr id="150" name="Oval 149">
+            <a:extLst>
+              <a:ext uri="{FF2B5EF4-FFF2-40B4-BE49-F238E27FC236}">
+                <a16:creationId xmlns:a16="http://schemas.microsoft.com/office/drawing/2014/main" id="{7CCD1270-8F28-8641-B4AB-C8355D1AA1F0}"/>
+              </a:ext>
+            </a:extLst>
+          </p:cNvPr>
+          <p:cNvSpPr/>
+          <p:nvPr/>
+        </p:nvSpPr>
+        <p:spPr>
+          <a:xfrm>
+            <a:off x="6709203" y="2698926"/>
+            <a:ext cx="124047" cy="124047"/>
+          </a:xfrm>
+          <a:prstGeom prst="ellipse">
+            <a:avLst/>
+          </a:prstGeom>
+          <a:ln>
+            <a:solidFill>
+              <a:srgbClr val="FF0000"/>
+            </a:solidFill>
+          </a:ln>
+        </p:spPr>
+        <p:style>
+          <a:lnRef idx="2">
+            <a:schemeClr val="accent1">
+              <a:shade val="50000"/>
+            </a:schemeClr>
+          </a:lnRef>
+          <a:fillRef idx="1">
+            <a:schemeClr val="accent1"/>
+          </a:fillRef>
+          <a:effectRef idx="0">
+            <a:schemeClr val="accent1"/>
+          </a:effectRef>
+          <a:fontRef idx="minor">
+            <a:schemeClr val="lt1"/>
+          </a:fontRef>
+        </p:style>
+        <p:txBody>
+          <a:bodyPr rtlCol="0" anchor="ctr"/>
+          <a:lstStyle/>
+          <a:p>
+            <a:pPr algn="ctr"/>
+            <a:endParaRPr lang="en-US" sz="3200" dirty="0"/>
+          </a:p>
+        </p:txBody>
+      </p:sp>
+      <p:sp>
+        <p:nvSpPr>
+          <p:cNvPr id="151" name="Oval 150">
+            <a:extLst>
+              <a:ext uri="{FF2B5EF4-FFF2-40B4-BE49-F238E27FC236}">
+                <a16:creationId xmlns:a16="http://schemas.microsoft.com/office/drawing/2014/main" id="{75FF3FC6-926C-9042-B586-861C1769A6E3}"/>
+              </a:ext>
+            </a:extLst>
+          </p:cNvPr>
+          <p:cNvSpPr/>
+          <p:nvPr/>
+        </p:nvSpPr>
+        <p:spPr>
+          <a:xfrm>
+            <a:off x="7180280" y="3520228"/>
+            <a:ext cx="124047" cy="124047"/>
+          </a:xfrm>
+          <a:prstGeom prst="ellipse">
+            <a:avLst/>
+          </a:prstGeom>
+          <a:solidFill>
+            <a:schemeClr val="accent6"/>
+          </a:solidFill>
+          <a:ln>
+            <a:solidFill>
+              <a:srgbClr val="FF0000"/>
+            </a:solidFill>
+          </a:ln>
+        </p:spPr>
+        <p:style>
+          <a:lnRef idx="2">
+            <a:schemeClr val="accent1">
+              <a:shade val="50000"/>
+            </a:schemeClr>
+          </a:lnRef>
+          <a:fillRef idx="1">
+            <a:schemeClr val="accent1"/>
+          </a:fillRef>
+          <a:effectRef idx="0">
+            <a:schemeClr val="accent1"/>
+          </a:effectRef>
+          <a:fontRef idx="minor">
+            <a:schemeClr val="lt1"/>
+          </a:fontRef>
+        </p:style>
+        <p:txBody>
+          <a:bodyPr rtlCol="0" anchor="ctr"/>
+          <a:lstStyle/>
+          <a:p>
+            <a:pPr algn="ctr"/>
+            <a:endParaRPr lang="en-US" sz="3200" dirty="0"/>
+          </a:p>
+        </p:txBody>
+      </p:sp>
+      <p:sp>
+        <p:nvSpPr>
+          <p:cNvPr id="152" name="Oval 151">
+            <a:extLst>
+              <a:ext uri="{FF2B5EF4-FFF2-40B4-BE49-F238E27FC236}">
+                <a16:creationId xmlns:a16="http://schemas.microsoft.com/office/drawing/2014/main" id="{BB209FDA-BF00-BE4E-A70B-ACEA4365D327}"/>
+              </a:ext>
+            </a:extLst>
+          </p:cNvPr>
+          <p:cNvSpPr/>
+          <p:nvPr/>
+        </p:nvSpPr>
+        <p:spPr>
+          <a:xfrm>
+            <a:off x="7894233" y="3179732"/>
+            <a:ext cx="124047" cy="124047"/>
+          </a:xfrm>
+          <a:prstGeom prst="ellipse">
+            <a:avLst/>
+          </a:prstGeom>
+          <a:solidFill>
+            <a:schemeClr val="accent2"/>
+          </a:solidFill>
+          <a:ln>
+            <a:solidFill>
+              <a:srgbClr val="FF0000"/>
+            </a:solidFill>
+          </a:ln>
+        </p:spPr>
+        <p:style>
+          <a:lnRef idx="2">
+            <a:schemeClr val="accent1">
+              <a:shade val="50000"/>
+            </a:schemeClr>
+          </a:lnRef>
+          <a:fillRef idx="1">
+            <a:schemeClr val="accent1"/>
+          </a:fillRef>
+          <a:effectRef idx="0">
+            <a:schemeClr val="accent1"/>
+          </a:effectRef>
+          <a:fontRef idx="minor">
+            <a:schemeClr val="lt1"/>
+          </a:fontRef>
+        </p:style>
+        <p:txBody>
+          <a:bodyPr rtlCol="0" anchor="ctr"/>
+          <a:lstStyle/>
+          <a:p>
+            <a:pPr algn="ctr"/>
+            <a:endParaRPr lang="en-US" sz="3200" dirty="0"/>
+          </a:p>
+        </p:txBody>
+      </p:sp>
+      <p:sp>
+        <p:nvSpPr>
+          <p:cNvPr id="153" name="TextBox 152">
+            <a:extLst>
+              <a:ext uri="{FF2B5EF4-FFF2-40B4-BE49-F238E27FC236}">
+                <a16:creationId xmlns:a16="http://schemas.microsoft.com/office/drawing/2014/main" id="{A4B69E18-C5B0-6545-9D58-E1A4E4859869}"/>
+              </a:ext>
+            </a:extLst>
+          </p:cNvPr>
+          <p:cNvSpPr txBox="1"/>
+          <p:nvPr/>
+        </p:nvSpPr>
+        <p:spPr>
+          <a:xfrm>
+            <a:off x="2398231" y="3795396"/>
+            <a:ext cx="2857601" cy="369332"/>
+          </a:xfrm>
+          <a:prstGeom prst="rect">
+            <a:avLst/>
+          </a:prstGeom>
+          <a:noFill/>
+        </p:spPr>
+        <p:txBody>
+          <a:bodyPr wrap="square" rtlCol="0">
+            <a:spAutoFit/>
+          </a:bodyPr>
+          <a:lstStyle/>
+          <a:p>
+            <a:pPr algn="ctr"/>
+            <a:r>
+              <a:rPr lang="en-US" i="1" dirty="0">
+                <a:latin typeface="CMU Serif Roman" panose="02000603000000000000" pitchFamily="2" charset="0"/>
+                <a:ea typeface="CMU Serif Roman" panose="02000603000000000000" pitchFamily="2" charset="0"/>
+                <a:cs typeface="CMU Serif Roman" panose="02000603000000000000" pitchFamily="2" charset="0"/>
+              </a:rPr>
+              <a:t>C with A</a:t>
+            </a:r>
+          </a:p>
+        </p:txBody>
+      </p:sp>
+      <p:sp>
+        <p:nvSpPr>
+          <p:cNvPr id="154" name="TextBox 153">
+            <a:extLst>
+              <a:ext uri="{FF2B5EF4-FFF2-40B4-BE49-F238E27FC236}">
+                <a16:creationId xmlns:a16="http://schemas.microsoft.com/office/drawing/2014/main" id="{C4470CFF-8C36-8A44-B4D3-0C0A7299D922}"/>
+              </a:ext>
+            </a:extLst>
+          </p:cNvPr>
+          <p:cNvSpPr txBox="1"/>
+          <p:nvPr/>
+        </p:nvSpPr>
+        <p:spPr>
+          <a:xfrm>
+            <a:off x="5898249" y="3799877"/>
+            <a:ext cx="2857601" cy="369332"/>
+          </a:xfrm>
+          <a:prstGeom prst="rect">
+            <a:avLst/>
+          </a:prstGeom>
+          <a:noFill/>
+        </p:spPr>
+        <p:txBody>
+          <a:bodyPr wrap="square" rtlCol="0">
+            <a:spAutoFit/>
+          </a:bodyPr>
+          <a:lstStyle/>
+          <a:p>
+            <a:pPr algn="ctr"/>
+            <a:r>
+              <a:rPr lang="en-US" i="1" dirty="0">
+                <a:latin typeface="CMU Serif Roman" panose="02000603000000000000" pitchFamily="2" charset="0"/>
+                <a:ea typeface="CMU Serif Roman" panose="02000603000000000000" pitchFamily="2" charset="0"/>
+                <a:cs typeface="CMU Serif Roman" panose="02000603000000000000" pitchFamily="2" charset="0"/>
+              </a:rPr>
+              <a:t>C with B</a:t>
+            </a:r>
+          </a:p>
+        </p:txBody>
+      </p:sp>
     </p:spTree>
     <p:extLst>
       <p:ext uri="{BB962C8B-B14F-4D97-AF65-F5344CB8AC3E}">
@@ -7821,4 +10146,299 @@
     </a:ext>
   </a:extLst>
 </a:theme>
+</file>
+
+<file path=ppt/theme/theme2.xml><?xml version="1.0" encoding="utf-8"?>
+<a:theme xmlns:a="http://schemas.openxmlformats.org/drawingml/2006/main" name="Office Theme">
+  <a:themeElements>
+    <a:clrScheme name="Office">
+      <a:dk1>
+        <a:sysClr val="windowText" lastClr="000000"/>
+      </a:dk1>
+      <a:lt1>
+        <a:sysClr val="window" lastClr="FFFFFF"/>
+      </a:lt1>
+      <a:dk2>
+        <a:srgbClr val="44546A"/>
+      </a:dk2>
+      <a:lt2>
+        <a:srgbClr val="E7E6E6"/>
+      </a:lt2>
+      <a:accent1>
+        <a:srgbClr val="4472C4"/>
+      </a:accent1>
+      <a:accent2>
+        <a:srgbClr val="ED7D31"/>
+      </a:accent2>
+      <a:accent3>
+        <a:srgbClr val="A5A5A5"/>
+      </a:accent3>
+      <a:accent4>
+        <a:srgbClr val="FFC000"/>
+      </a:accent4>
+      <a:accent5>
+        <a:srgbClr val="5B9BD5"/>
+      </a:accent5>
+      <a:accent6>
+        <a:srgbClr val="70AD47"/>
+      </a:accent6>
+      <a:hlink>
+        <a:srgbClr val="0563C1"/>
+      </a:hlink>
+      <a:folHlink>
+        <a:srgbClr val="954F72"/>
+      </a:folHlink>
+    </a:clrScheme>
+    <a:fontScheme name="Office">
+      <a:majorFont>
+        <a:latin typeface="Calibri Light" panose="020F0302020204030204"/>
+        <a:ea typeface=""/>
+        <a:cs typeface=""/>
+        <a:font script="Jpan" typeface="游ゴシック Light"/>
+        <a:font script="Hang" typeface="맑은 고딕"/>
+        <a:font script="Hans" typeface="等线 Light"/>
+        <a:font script="Hant" typeface="新細明體"/>
+        <a:font script="Arab" typeface="Times New Roman"/>
+        <a:font script="Hebr" typeface="Times New Roman"/>
+        <a:font script="Thai" typeface="Angsana New"/>
+        <a:font script="Ethi" typeface="Nyala"/>
+        <a:font script="Beng" typeface="Vrinda"/>
+        <a:font script="Gujr" typeface="Shruti"/>
+        <a:font script="Khmr" typeface="MoolBoran"/>
+        <a:font script="Knda" typeface="Tunga"/>
+        <a:font script="Guru" typeface="Raavi"/>
+        <a:font script="Cans" typeface="Euphemia"/>
+        <a:font script="Cher" typeface="Plantagenet Cherokee"/>
+        <a:font script="Yiii" typeface="Microsoft Yi Baiti"/>
+        <a:font script="Tibt" typeface="Microsoft Himalaya"/>
+        <a:font script="Thaa" typeface="MV Boli"/>
+        <a:font script="Deva" typeface="Mangal"/>
+        <a:font script="Telu" typeface="Gautami"/>
+        <a:font script="Taml" typeface="Latha"/>
+        <a:font script="Syrc" typeface="Estrangelo Edessa"/>
+        <a:font script="Orya" typeface="Kalinga"/>
+        <a:font script="Mlym" typeface="Kartika"/>
+        <a:font script="Laoo" typeface="DokChampa"/>
+        <a:font script="Sinh" typeface="Iskoola Pota"/>
+        <a:font script="Mong" typeface="Mongolian Baiti"/>
+        <a:font script="Viet" typeface="Times New Roman"/>
+        <a:font script="Uigh" typeface="Microsoft Uighur"/>
+        <a:font script="Geor" typeface="Sylfaen"/>
+        <a:font script="Armn" typeface="Arial"/>
+        <a:font script="Bugi" typeface="Leelawadee UI"/>
+        <a:font script="Bopo" typeface="Microsoft JhengHei"/>
+        <a:font script="Java" typeface="Javanese Text"/>
+        <a:font script="Lisu" typeface="Segoe UI"/>
+        <a:font script="Mymr" typeface="Myanmar Text"/>
+        <a:font script="Nkoo" typeface="Ebrima"/>
+        <a:font script="Olck" typeface="Nirmala UI"/>
+        <a:font script="Osma" typeface="Ebrima"/>
+        <a:font script="Phag" typeface="Phagspa"/>
+        <a:font script="Syrn" typeface="Estrangelo Edessa"/>
+        <a:font script="Syrj" typeface="Estrangelo Edessa"/>
+        <a:font script="Syre" typeface="Estrangelo Edessa"/>
+        <a:font script="Sora" typeface="Nirmala UI"/>
+        <a:font script="Tale" typeface="Microsoft Tai Le"/>
+        <a:font script="Talu" typeface="Microsoft New Tai Lue"/>
+        <a:font script="Tfng" typeface="Ebrima"/>
+      </a:majorFont>
+      <a:minorFont>
+        <a:latin typeface="Calibri" panose="020F0502020204030204"/>
+        <a:ea typeface=""/>
+        <a:cs typeface=""/>
+        <a:font script="Jpan" typeface="游ゴシック"/>
+        <a:font script="Hang" typeface="맑은 고딕"/>
+        <a:font script="Hans" typeface="等线"/>
+        <a:font script="Hant" typeface="新細明體"/>
+        <a:font script="Arab" typeface="Arial"/>
+        <a:font script="Hebr" typeface="Arial"/>
+        <a:font script="Thai" typeface="Cordia New"/>
+        <a:font script="Ethi" typeface="Nyala"/>
+        <a:font script="Beng" typeface="Vrinda"/>
+        <a:font script="Gujr" typeface="Shruti"/>
+        <a:font script="Khmr" typeface="DaunPenh"/>
+        <a:font script="Knda" typeface="Tunga"/>
+        <a:font script="Guru" typeface="Raavi"/>
+        <a:font script="Cans" typeface="Euphemia"/>
+        <a:font script="Cher" typeface="Plantagenet Cherokee"/>
+        <a:font script="Yiii" typeface="Microsoft Yi Baiti"/>
+        <a:font script="Tibt" typeface="Microsoft Himalaya"/>
+        <a:font script="Thaa" typeface="MV Boli"/>
+        <a:font script="Deva" typeface="Mangal"/>
+        <a:font script="Telu" typeface="Gautami"/>
+        <a:font script="Taml" typeface="Latha"/>
+        <a:font script="Syrc" typeface="Estrangelo Edessa"/>
+        <a:font script="Orya" typeface="Kalinga"/>
+        <a:font script="Mlym" typeface="Kartika"/>
+        <a:font script="Laoo" typeface="DokChampa"/>
+        <a:font script="Sinh" typeface="Iskoola Pota"/>
+        <a:font script="Mong" typeface="Mongolian Baiti"/>
+        <a:font script="Viet" typeface="Arial"/>
+        <a:font script="Uigh" typeface="Microsoft Uighur"/>
+        <a:font script="Geor" typeface="Sylfaen"/>
+        <a:font script="Armn" typeface="Arial"/>
+        <a:font script="Bugi" typeface="Leelawadee UI"/>
+        <a:font script="Bopo" typeface="Microsoft JhengHei"/>
+        <a:font script="Java" typeface="Javanese Text"/>
+        <a:font script="Lisu" typeface="Segoe UI"/>
+        <a:font script="Mymr" typeface="Myanmar Text"/>
+        <a:font script="Nkoo" typeface="Ebrima"/>
+        <a:font script="Olck" typeface="Nirmala UI"/>
+        <a:font script="Osma" typeface="Ebrima"/>
+        <a:font script="Phag" typeface="Phagspa"/>
+        <a:font script="Syrn" typeface="Estrangelo Edessa"/>
+        <a:font script="Syrj" typeface="Estrangelo Edessa"/>
+        <a:font script="Syre" typeface="Estrangelo Edessa"/>
+        <a:font script="Sora" typeface="Nirmala UI"/>
+        <a:font script="Tale" typeface="Microsoft Tai Le"/>
+        <a:font script="Talu" typeface="Microsoft New Tai Lue"/>
+        <a:font script="Tfng" typeface="Ebrima"/>
+      </a:minorFont>
+    </a:fontScheme>
+    <a:fmtScheme name="Office">
+      <a:fillStyleLst>
+        <a:solidFill>
+          <a:schemeClr val="phClr"/>
+        </a:solidFill>
+        <a:gradFill rotWithShape="1">
+          <a:gsLst>
+            <a:gs pos="0">
+              <a:schemeClr val="phClr">
+                <a:lumMod val="110000"/>
+                <a:satMod val="105000"/>
+                <a:tint val="67000"/>
+              </a:schemeClr>
+            </a:gs>
+            <a:gs pos="50000">
+              <a:schemeClr val="phClr">
+                <a:lumMod val="105000"/>
+                <a:satMod val="103000"/>
+                <a:tint val="73000"/>
+              </a:schemeClr>
+            </a:gs>
+            <a:gs pos="100000">
+              <a:schemeClr val="phClr">
+                <a:lumMod val="105000"/>
+                <a:satMod val="109000"/>
+                <a:tint val="81000"/>
+              </a:schemeClr>
+            </a:gs>
+          </a:gsLst>
+          <a:lin ang="5400000" scaled="0"/>
+        </a:gradFill>
+        <a:gradFill rotWithShape="1">
+          <a:gsLst>
+            <a:gs pos="0">
+              <a:schemeClr val="phClr">
+                <a:satMod val="103000"/>
+                <a:lumMod val="102000"/>
+                <a:tint val="94000"/>
+              </a:schemeClr>
+            </a:gs>
+            <a:gs pos="50000">
+              <a:schemeClr val="phClr">
+                <a:satMod val="110000"/>
+                <a:lumMod val="100000"/>
+                <a:shade val="100000"/>
+              </a:schemeClr>
+            </a:gs>
+            <a:gs pos="100000">
+              <a:schemeClr val="phClr">
+                <a:lumMod val="99000"/>
+                <a:satMod val="120000"/>
+                <a:shade val="78000"/>
+              </a:schemeClr>
+            </a:gs>
+          </a:gsLst>
+          <a:lin ang="5400000" scaled="0"/>
+        </a:gradFill>
+      </a:fillStyleLst>
+      <a:lnStyleLst>
+        <a:ln w="6350" cap="flat" cmpd="sng" algn="ctr">
+          <a:solidFill>
+            <a:schemeClr val="phClr"/>
+          </a:solidFill>
+          <a:prstDash val="solid"/>
+          <a:miter lim="800000"/>
+        </a:ln>
+        <a:ln w="12700" cap="flat" cmpd="sng" algn="ctr">
+          <a:solidFill>
+            <a:schemeClr val="phClr"/>
+          </a:solidFill>
+          <a:prstDash val="solid"/>
+          <a:miter lim="800000"/>
+        </a:ln>
+        <a:ln w="19050" cap="flat" cmpd="sng" algn="ctr">
+          <a:solidFill>
+            <a:schemeClr val="phClr"/>
+          </a:solidFill>
+          <a:prstDash val="solid"/>
+          <a:miter lim="800000"/>
+        </a:ln>
+      </a:lnStyleLst>
+      <a:effectStyleLst>
+        <a:effectStyle>
+          <a:effectLst/>
+        </a:effectStyle>
+        <a:effectStyle>
+          <a:effectLst/>
+        </a:effectStyle>
+        <a:effectStyle>
+          <a:effectLst>
+            <a:outerShdw blurRad="57150" dist="19050" dir="5400000" algn="ctr" rotWithShape="0">
+              <a:srgbClr val="000000">
+                <a:alpha val="63000"/>
+              </a:srgbClr>
+            </a:outerShdw>
+          </a:effectLst>
+        </a:effectStyle>
+      </a:effectStyleLst>
+      <a:bgFillStyleLst>
+        <a:solidFill>
+          <a:schemeClr val="phClr"/>
+        </a:solidFill>
+        <a:solidFill>
+          <a:schemeClr val="phClr">
+            <a:tint val="95000"/>
+            <a:satMod val="170000"/>
+          </a:schemeClr>
+        </a:solidFill>
+        <a:gradFill rotWithShape="1">
+          <a:gsLst>
+            <a:gs pos="0">
+              <a:schemeClr val="phClr">
+                <a:tint val="93000"/>
+                <a:satMod val="150000"/>
+                <a:shade val="98000"/>
+                <a:lumMod val="102000"/>
+              </a:schemeClr>
+            </a:gs>
+            <a:gs pos="50000">
+              <a:schemeClr val="phClr">
+                <a:tint val="98000"/>
+                <a:satMod val="130000"/>
+                <a:shade val="90000"/>
+                <a:lumMod val="103000"/>
+              </a:schemeClr>
+            </a:gs>
+            <a:gs pos="100000">
+              <a:schemeClr val="phClr">
+                <a:shade val="63000"/>
+                <a:satMod val="120000"/>
+              </a:schemeClr>
+            </a:gs>
+          </a:gsLst>
+          <a:lin ang="5400000" scaled="0"/>
+        </a:gradFill>
+      </a:bgFillStyleLst>
+    </a:fmtScheme>
+  </a:themeElements>
+  <a:objectDefaults/>
+  <a:extraClrSchemeLst/>
+  <a:extLst>
+    <a:ext uri="{05A4C25C-085E-4340-85A3-A5531E510DB2}">
+      <thm15:themeFamily xmlns:thm15="http://schemas.microsoft.com/office/thememl/2012/main" name="Office Theme" id="{62F939B6-93AF-4DB8-9C6B-D6C7DFDC589F}" vid="{4A3C46E8-61CC-4603-A589-7422A47A8E4A}"/>
+    </a:ext>
+  </a:extLst>
+</a:theme>
 </file>